--- a/Presentation/Hire Me or Not_Image Classifier Fun_presentation1.pptx
+++ b/Presentation/Hire Me or Not_Image Classifier Fun_presentation1.pptx
@@ -9731,6 +9731,235 @@
   <p:clrMapOvr>
     <a:masterClrMapping/>
   </p:clrMapOvr>
+  <p:timing>
+    <p:tnLst>
+      <p:par>
+        <p:cTn id="1" dur="indefinite" restart="never" nodeType="tmRoot">
+          <p:childTnLst>
+            <p:seq concurrent="1" nextAc="seek">
+              <p:cTn id="2" dur="indefinite" nodeType="mainSeq">
+                <p:childTnLst>
+                  <p:par>
+                    <p:cTn id="3" fill="hold">
+                      <p:stCondLst>
+                        <p:cond delay="indefinite"/>
+                      </p:stCondLst>
+                      <p:childTnLst>
+                        <p:par>
+                          <p:cTn id="4" fill="hold">
+                            <p:stCondLst>
+                              <p:cond delay="0"/>
+                            </p:stCondLst>
+                            <p:childTnLst>
+                              <p:par>
+                                <p:cTn id="5" presetID="1" presetClass="entr" presetSubtype="0" fill="hold" grpId="0" nodeType="clickEffect">
+                                  <p:stCondLst>
+                                    <p:cond delay="0"/>
+                                  </p:stCondLst>
+                                  <p:childTnLst>
+                                    <p:set>
+                                      <p:cBhvr>
+                                        <p:cTn id="6" dur="1" fill="hold">
+                                          <p:stCondLst>
+                                            <p:cond delay="0"/>
+                                          </p:stCondLst>
+                                        </p:cTn>
+                                        <p:tgtEl>
+                                          <p:spTgt spid="428">
+                                            <p:txEl>
+                                              <p:pRg st="0" end="0"/>
+                                            </p:txEl>
+                                          </p:spTgt>
+                                        </p:tgtEl>
+                                        <p:attrNameLst>
+                                          <p:attrName>style.visibility</p:attrName>
+                                        </p:attrNameLst>
+                                      </p:cBhvr>
+                                      <p:to>
+                                        <p:strVal val="visible"/>
+                                      </p:to>
+                                    </p:set>
+                                  </p:childTnLst>
+                                </p:cTn>
+                              </p:par>
+                            </p:childTnLst>
+                          </p:cTn>
+                        </p:par>
+                      </p:childTnLst>
+                    </p:cTn>
+                  </p:par>
+                  <p:par>
+                    <p:cTn id="7" fill="hold">
+                      <p:stCondLst>
+                        <p:cond delay="indefinite"/>
+                      </p:stCondLst>
+                      <p:childTnLst>
+                        <p:par>
+                          <p:cTn id="8" fill="hold">
+                            <p:stCondLst>
+                              <p:cond delay="0"/>
+                            </p:stCondLst>
+                            <p:childTnLst>
+                              <p:par>
+                                <p:cTn id="9" presetID="1" presetClass="entr" presetSubtype="0" fill="hold" grpId="0" nodeType="clickEffect">
+                                  <p:stCondLst>
+                                    <p:cond delay="0"/>
+                                  </p:stCondLst>
+                                  <p:childTnLst>
+                                    <p:set>
+                                      <p:cBhvr>
+                                        <p:cTn id="10" dur="1" fill="hold">
+                                          <p:stCondLst>
+                                            <p:cond delay="0"/>
+                                          </p:stCondLst>
+                                        </p:cTn>
+                                        <p:tgtEl>
+                                          <p:spTgt spid="428">
+                                            <p:txEl>
+                                              <p:pRg st="1" end="1"/>
+                                            </p:txEl>
+                                          </p:spTgt>
+                                        </p:tgtEl>
+                                        <p:attrNameLst>
+                                          <p:attrName>style.visibility</p:attrName>
+                                        </p:attrNameLst>
+                                      </p:cBhvr>
+                                      <p:to>
+                                        <p:strVal val="visible"/>
+                                      </p:to>
+                                    </p:set>
+                                  </p:childTnLst>
+                                </p:cTn>
+                              </p:par>
+                            </p:childTnLst>
+                          </p:cTn>
+                        </p:par>
+                      </p:childTnLst>
+                    </p:cTn>
+                  </p:par>
+                  <p:par>
+                    <p:cTn id="11" fill="hold">
+                      <p:stCondLst>
+                        <p:cond delay="indefinite"/>
+                      </p:stCondLst>
+                      <p:childTnLst>
+                        <p:par>
+                          <p:cTn id="12" fill="hold">
+                            <p:stCondLst>
+                              <p:cond delay="0"/>
+                            </p:stCondLst>
+                            <p:childTnLst>
+                              <p:par>
+                                <p:cTn id="13" presetID="1" presetClass="entr" presetSubtype="0" fill="hold" grpId="0" nodeType="clickEffect">
+                                  <p:stCondLst>
+                                    <p:cond delay="0"/>
+                                  </p:stCondLst>
+                                  <p:childTnLst>
+                                    <p:set>
+                                      <p:cBhvr>
+                                        <p:cTn id="14" dur="1" fill="hold">
+                                          <p:stCondLst>
+                                            <p:cond delay="0"/>
+                                          </p:stCondLst>
+                                        </p:cTn>
+                                        <p:tgtEl>
+                                          <p:spTgt spid="428">
+                                            <p:txEl>
+                                              <p:pRg st="2" end="2"/>
+                                            </p:txEl>
+                                          </p:spTgt>
+                                        </p:tgtEl>
+                                        <p:attrNameLst>
+                                          <p:attrName>style.visibility</p:attrName>
+                                        </p:attrNameLst>
+                                      </p:cBhvr>
+                                      <p:to>
+                                        <p:strVal val="visible"/>
+                                      </p:to>
+                                    </p:set>
+                                  </p:childTnLst>
+                                </p:cTn>
+                              </p:par>
+                            </p:childTnLst>
+                          </p:cTn>
+                        </p:par>
+                      </p:childTnLst>
+                    </p:cTn>
+                  </p:par>
+                  <p:par>
+                    <p:cTn id="15" fill="hold">
+                      <p:stCondLst>
+                        <p:cond delay="indefinite"/>
+                      </p:stCondLst>
+                      <p:childTnLst>
+                        <p:par>
+                          <p:cTn id="16" fill="hold">
+                            <p:stCondLst>
+                              <p:cond delay="0"/>
+                            </p:stCondLst>
+                            <p:childTnLst>
+                              <p:par>
+                                <p:cTn id="17" presetID="1" presetClass="entr" presetSubtype="0" fill="hold" grpId="0" nodeType="clickEffect">
+                                  <p:stCondLst>
+                                    <p:cond delay="0"/>
+                                  </p:stCondLst>
+                                  <p:childTnLst>
+                                    <p:set>
+                                      <p:cBhvr>
+                                        <p:cTn id="18" dur="1" fill="hold">
+                                          <p:stCondLst>
+                                            <p:cond delay="0"/>
+                                          </p:stCondLst>
+                                        </p:cTn>
+                                        <p:tgtEl>
+                                          <p:spTgt spid="428">
+                                            <p:txEl>
+                                              <p:pRg st="3" end="3"/>
+                                            </p:txEl>
+                                          </p:spTgt>
+                                        </p:tgtEl>
+                                        <p:attrNameLst>
+                                          <p:attrName>style.visibility</p:attrName>
+                                        </p:attrNameLst>
+                                      </p:cBhvr>
+                                      <p:to>
+                                        <p:strVal val="visible"/>
+                                      </p:to>
+                                    </p:set>
+                                  </p:childTnLst>
+                                </p:cTn>
+                              </p:par>
+                            </p:childTnLst>
+                          </p:cTn>
+                        </p:par>
+                      </p:childTnLst>
+                    </p:cTn>
+                  </p:par>
+                </p:childTnLst>
+              </p:cTn>
+              <p:prevCondLst>
+                <p:cond evt="onPrev" delay="0">
+                  <p:tgtEl>
+                    <p:sldTgt/>
+                  </p:tgtEl>
+                </p:cond>
+              </p:prevCondLst>
+              <p:nextCondLst>
+                <p:cond evt="onNext" delay="0">
+                  <p:tgtEl>
+                    <p:sldTgt/>
+                  </p:tgtEl>
+                </p:cond>
+              </p:nextCondLst>
+            </p:seq>
+          </p:childTnLst>
+        </p:cTn>
+      </p:par>
+    </p:tnLst>
+    <p:bldLst>
+      <p:bldP spid="428" grpId="0" build="p"/>
+    </p:bldLst>
+  </p:timing>
 </p:sld>
 </file>
 
@@ -9751,1953 +9980,6 @@
           <a:chExt cx="0" cy="0"/>
         </a:xfrm>
       </p:grpSpPr>
-      <p:sp>
-        <p:nvSpPr>
-          <p:cNvPr id="465" name="Google Shape;465;p50"/>
-          <p:cNvSpPr txBox="1">
-            <a:spLocks noGrp="1"/>
-          </p:cNvSpPr>
-          <p:nvPr>
-            <p:ph type="subTitle" idx="1"/>
-          </p:nvPr>
-        </p:nvSpPr>
-        <p:spPr>
-          <a:xfrm>
-            <a:off x="2285163" y="1609354"/>
-            <a:ext cx="3291900" cy="457200"/>
-          </a:xfrm>
-          <a:prstGeom prst="rect">
-            <a:avLst/>
-          </a:prstGeom>
-        </p:spPr>
-        <p:txBody>
-          <a:bodyPr spcFirstLastPara="1" wrap="square" lIns="0" tIns="91425" rIns="0" bIns="91425" anchor="ctr" anchorCtr="0">
-            <a:noAutofit/>
-          </a:bodyPr>
-          <a:lstStyle/>
-          <a:p>
-            <a:pPr marL="0" lvl="0" indent="0" algn="l" rtl="0">
-              <a:spcBef>
-                <a:spcPts val="0"/>
-              </a:spcBef>
-              <a:spcAft>
-                <a:spcPts val="0"/>
-              </a:spcAft>
-              <a:buNone/>
-            </a:pPr>
-            <a:r>
-              <a:rPr lang="en" dirty="0"/>
-              <a:t>SOFT SKILLS</a:t>
-            </a:r>
-            <a:endParaRPr dirty="0"/>
-          </a:p>
-        </p:txBody>
-      </p:sp>
-      <p:sp>
-        <p:nvSpPr>
-          <p:cNvPr id="466" name="Google Shape;466;p50"/>
-          <p:cNvSpPr txBox="1">
-            <a:spLocks noGrp="1"/>
-          </p:cNvSpPr>
-          <p:nvPr>
-            <p:ph type="subTitle" idx="2"/>
-          </p:nvPr>
-        </p:nvSpPr>
-        <p:spPr>
-          <a:xfrm>
-            <a:off x="2312663" y="3416079"/>
-            <a:ext cx="3291900" cy="457200"/>
-          </a:xfrm>
-          <a:prstGeom prst="rect">
-            <a:avLst/>
-          </a:prstGeom>
-        </p:spPr>
-        <p:txBody>
-          <a:bodyPr spcFirstLastPara="1" wrap="square" lIns="0" tIns="91425" rIns="0" bIns="91425" anchor="ctr" anchorCtr="0">
-            <a:noAutofit/>
-          </a:bodyPr>
-          <a:lstStyle/>
-          <a:p>
-            <a:pPr marL="0" lvl="0" indent="0" algn="l" rtl="0">
-              <a:spcBef>
-                <a:spcPts val="0"/>
-              </a:spcBef>
-              <a:spcAft>
-                <a:spcPts val="0"/>
-              </a:spcAft>
-              <a:buNone/>
-            </a:pPr>
-            <a:r>
-              <a:rPr lang="en" dirty="0"/>
-              <a:t>HARD SKILLS</a:t>
-            </a:r>
-            <a:endParaRPr dirty="0"/>
-          </a:p>
-        </p:txBody>
-      </p:sp>
-      <p:sp>
-        <p:nvSpPr>
-          <p:cNvPr id="467" name="Google Shape;467;p50"/>
-          <p:cNvSpPr txBox="1">
-            <a:spLocks noGrp="1"/>
-          </p:cNvSpPr>
-          <p:nvPr>
-            <p:ph type="subTitle" idx="3"/>
-          </p:nvPr>
-        </p:nvSpPr>
-        <p:spPr>
-          <a:xfrm>
-            <a:off x="2285163" y="1848967"/>
-            <a:ext cx="5305076" cy="618173"/>
-          </a:xfrm>
-          <a:prstGeom prst="rect">
-            <a:avLst/>
-          </a:prstGeom>
-        </p:spPr>
-        <p:txBody>
-          <a:bodyPr spcFirstLastPara="1" wrap="square" lIns="0" tIns="91425" rIns="0" bIns="91425" anchor="t" anchorCtr="0">
-            <a:noAutofit/>
-          </a:bodyPr>
-          <a:lstStyle/>
-          <a:p>
-            <a:pPr marL="0" lvl="0" indent="0" algn="just" rtl="0">
-              <a:lnSpc>
-                <a:spcPct val="150000"/>
-              </a:lnSpc>
-              <a:spcBef>
-                <a:spcPts val="0"/>
-              </a:spcBef>
-              <a:spcAft>
-                <a:spcPts val="0"/>
-              </a:spcAft>
-            </a:pPr>
-            <a:r>
-              <a:rPr lang="en-US" sz="1600" b="0" i="0" dirty="0">
-                <a:solidFill>
-                  <a:srgbClr val="374151"/>
-                </a:solidFill>
-                <a:effectLst/>
-                <a:latin typeface="Aptos Narrow" panose="020B0004020202020204" pitchFamily="34" charset="0"/>
-              </a:rPr>
-              <a:t>Interpersonal qualities that enhance effectiveness in work and social settings, contributing to overall success and collaboration.</a:t>
-            </a:r>
-            <a:endParaRPr sz="1600" dirty="0">
-              <a:latin typeface="Aptos Narrow" panose="020B0004020202020204" pitchFamily="34" charset="0"/>
-            </a:endParaRPr>
-          </a:p>
-        </p:txBody>
-      </p:sp>
-      <p:sp>
-        <p:nvSpPr>
-          <p:cNvPr id="468" name="Google Shape;468;p50"/>
-          <p:cNvSpPr txBox="1">
-            <a:spLocks noGrp="1"/>
-          </p:cNvSpPr>
-          <p:nvPr>
-            <p:ph type="subTitle" idx="4"/>
-          </p:nvPr>
-        </p:nvSpPr>
-        <p:spPr>
-          <a:xfrm>
-            <a:off x="2312664" y="3644679"/>
-            <a:ext cx="5305075" cy="672380"/>
-          </a:xfrm>
-          <a:prstGeom prst="rect">
-            <a:avLst/>
-          </a:prstGeom>
-        </p:spPr>
-        <p:txBody>
-          <a:bodyPr spcFirstLastPara="1" wrap="square" lIns="0" tIns="91425" rIns="0" bIns="91425" anchor="t" anchorCtr="0">
-            <a:noAutofit/>
-          </a:bodyPr>
-          <a:lstStyle/>
-          <a:p>
-            <a:pPr marL="0" lvl="0" indent="0" algn="just" rtl="0">
-              <a:lnSpc>
-                <a:spcPct val="150000"/>
-              </a:lnSpc>
-              <a:spcBef>
-                <a:spcPts val="0"/>
-              </a:spcBef>
-              <a:spcAft>
-                <a:spcPts val="0"/>
-              </a:spcAft>
-              <a:buNone/>
-            </a:pPr>
-            <a:r>
-              <a:rPr lang="en-US" sz="1600" dirty="0">
-                <a:solidFill>
-                  <a:srgbClr val="374151"/>
-                </a:solidFill>
-                <a:latin typeface="Aptos Narrow" panose="020B0004020202020204" pitchFamily="34" charset="0"/>
-              </a:rPr>
-              <a:t>Hard skills are quantifiable and teachable capabilities, often gained through education or experience and they are specific and job-related.</a:t>
-            </a:r>
-            <a:endParaRPr sz="1600" dirty="0">
-              <a:solidFill>
-                <a:srgbClr val="374151"/>
-              </a:solidFill>
-              <a:latin typeface="Aptos Narrow" panose="020B0004020202020204" pitchFamily="34" charset="0"/>
-            </a:endParaRPr>
-          </a:p>
-        </p:txBody>
-      </p:sp>
-      <p:grpSp>
-        <p:nvGrpSpPr>
-          <p:cNvPr id="477" name="Google Shape;477;p50"/>
-          <p:cNvGrpSpPr/>
-          <p:nvPr/>
-        </p:nvGrpSpPr>
-        <p:grpSpPr>
-          <a:xfrm>
-            <a:off x="1373810" y="1609334"/>
-            <a:ext cx="682753" cy="731522"/>
-            <a:chOff x="2059671" y="3117892"/>
-            <a:chExt cx="332547" cy="350951"/>
-          </a:xfrm>
-        </p:grpSpPr>
-        <p:sp>
-          <p:nvSpPr>
-            <p:cNvPr id="478" name="Google Shape;478;p50"/>
-            <p:cNvSpPr/>
-            <p:nvPr/>
-          </p:nvSpPr>
-          <p:spPr>
-            <a:xfrm>
-              <a:off x="2148595" y="3141914"/>
-              <a:ext cx="153085" cy="153085"/>
-            </a:xfrm>
-            <a:custGeom>
-              <a:avLst/>
-              <a:gdLst/>
-              <a:ahLst/>
-              <a:cxnLst/>
-              <a:rect l="l" t="t" r="r" b="b"/>
-              <a:pathLst>
-                <a:path w="4550" h="4550" extrusionOk="0">
-                  <a:moveTo>
-                    <a:pt x="2525" y="310"/>
-                  </a:moveTo>
-                  <a:cubicBezTo>
-                    <a:pt x="2525" y="310"/>
-                    <a:pt x="2549" y="334"/>
-                    <a:pt x="2549" y="334"/>
-                  </a:cubicBezTo>
-                  <a:lnTo>
-                    <a:pt x="2549" y="501"/>
-                  </a:lnTo>
-                  <a:cubicBezTo>
-                    <a:pt x="2549" y="572"/>
-                    <a:pt x="2597" y="643"/>
-                    <a:pt x="2668" y="667"/>
-                  </a:cubicBezTo>
-                  <a:cubicBezTo>
-                    <a:pt x="2859" y="691"/>
-                    <a:pt x="3025" y="763"/>
-                    <a:pt x="3192" y="882"/>
-                  </a:cubicBezTo>
-                  <a:cubicBezTo>
-                    <a:pt x="3212" y="891"/>
-                    <a:pt x="3240" y="897"/>
-                    <a:pt x="3269" y="897"/>
-                  </a:cubicBezTo>
-                  <a:cubicBezTo>
-                    <a:pt x="3311" y="897"/>
-                    <a:pt x="3355" y="886"/>
-                    <a:pt x="3383" y="858"/>
-                  </a:cubicBezTo>
-                  <a:lnTo>
-                    <a:pt x="3502" y="739"/>
-                  </a:lnTo>
-                  <a:cubicBezTo>
-                    <a:pt x="3502" y="727"/>
-                    <a:pt x="3502" y="721"/>
-                    <a:pt x="3505" y="721"/>
-                  </a:cubicBezTo>
-                  <a:cubicBezTo>
-                    <a:pt x="3508" y="721"/>
-                    <a:pt x="3514" y="727"/>
-                    <a:pt x="3526" y="739"/>
-                  </a:cubicBezTo>
-                  <a:lnTo>
-                    <a:pt x="3859" y="1072"/>
-                  </a:lnTo>
-                  <a:lnTo>
-                    <a:pt x="3716" y="1215"/>
-                  </a:lnTo>
-                  <a:cubicBezTo>
-                    <a:pt x="3668" y="1263"/>
-                    <a:pt x="3668" y="1334"/>
-                    <a:pt x="3692" y="1406"/>
-                  </a:cubicBezTo>
-                  <a:cubicBezTo>
-                    <a:pt x="3811" y="1548"/>
-                    <a:pt x="3883" y="1739"/>
-                    <a:pt x="3930" y="1929"/>
-                  </a:cubicBezTo>
-                  <a:cubicBezTo>
-                    <a:pt x="3930" y="1977"/>
-                    <a:pt x="4002" y="2049"/>
-                    <a:pt x="4073" y="2049"/>
-                  </a:cubicBezTo>
-                  <a:lnTo>
-                    <a:pt x="4264" y="2049"/>
-                  </a:lnTo>
-                  <a:lnTo>
-                    <a:pt x="4264" y="2525"/>
-                  </a:lnTo>
-                  <a:lnTo>
-                    <a:pt x="4073" y="2525"/>
-                  </a:lnTo>
-                  <a:cubicBezTo>
-                    <a:pt x="4002" y="2525"/>
-                    <a:pt x="3930" y="2596"/>
-                    <a:pt x="3930" y="2644"/>
-                  </a:cubicBezTo>
-                  <a:cubicBezTo>
-                    <a:pt x="3883" y="2834"/>
-                    <a:pt x="3811" y="3025"/>
-                    <a:pt x="3692" y="3168"/>
-                  </a:cubicBezTo>
-                  <a:cubicBezTo>
-                    <a:pt x="3668" y="3239"/>
-                    <a:pt x="3668" y="3311"/>
-                    <a:pt x="3716" y="3358"/>
-                  </a:cubicBezTo>
-                  <a:lnTo>
-                    <a:pt x="3859" y="3501"/>
-                  </a:lnTo>
-                  <a:lnTo>
-                    <a:pt x="3526" y="3835"/>
-                  </a:lnTo>
-                  <a:cubicBezTo>
-                    <a:pt x="3514" y="3847"/>
-                    <a:pt x="3508" y="3852"/>
-                    <a:pt x="3505" y="3852"/>
-                  </a:cubicBezTo>
-                  <a:cubicBezTo>
-                    <a:pt x="3502" y="3852"/>
-                    <a:pt x="3502" y="3847"/>
-                    <a:pt x="3502" y="3835"/>
-                  </a:cubicBezTo>
-                  <a:lnTo>
-                    <a:pt x="3383" y="3716"/>
-                  </a:lnTo>
-                  <a:cubicBezTo>
-                    <a:pt x="3355" y="3688"/>
-                    <a:pt x="3311" y="3676"/>
-                    <a:pt x="3269" y="3676"/>
-                  </a:cubicBezTo>
-                  <a:cubicBezTo>
-                    <a:pt x="3240" y="3676"/>
-                    <a:pt x="3212" y="3682"/>
-                    <a:pt x="3192" y="3692"/>
-                  </a:cubicBezTo>
-                  <a:cubicBezTo>
-                    <a:pt x="3025" y="3811"/>
-                    <a:pt x="2859" y="3882"/>
-                    <a:pt x="2668" y="3906"/>
-                  </a:cubicBezTo>
-                  <a:cubicBezTo>
-                    <a:pt x="2597" y="3930"/>
-                    <a:pt x="2549" y="4001"/>
-                    <a:pt x="2549" y="4073"/>
-                  </a:cubicBezTo>
-                  <a:lnTo>
-                    <a:pt x="2549" y="4239"/>
-                  </a:lnTo>
-                  <a:cubicBezTo>
-                    <a:pt x="2549" y="4239"/>
-                    <a:pt x="2525" y="4263"/>
-                    <a:pt x="2525" y="4263"/>
-                  </a:cubicBezTo>
-                  <a:lnTo>
-                    <a:pt x="2049" y="4263"/>
-                  </a:lnTo>
-                  <a:cubicBezTo>
-                    <a:pt x="2049" y="4239"/>
-                    <a:pt x="2049" y="4239"/>
-                    <a:pt x="2049" y="4239"/>
-                  </a:cubicBezTo>
-                  <a:lnTo>
-                    <a:pt x="2049" y="4073"/>
-                  </a:lnTo>
-                  <a:cubicBezTo>
-                    <a:pt x="2049" y="4001"/>
-                    <a:pt x="2001" y="3930"/>
-                    <a:pt x="1930" y="3906"/>
-                  </a:cubicBezTo>
-                  <a:cubicBezTo>
-                    <a:pt x="1739" y="3882"/>
-                    <a:pt x="1549" y="3787"/>
-                    <a:pt x="1406" y="3692"/>
-                  </a:cubicBezTo>
-                  <a:cubicBezTo>
-                    <a:pt x="1382" y="3692"/>
-                    <a:pt x="1335" y="3668"/>
-                    <a:pt x="1311" y="3668"/>
-                  </a:cubicBezTo>
-                  <a:cubicBezTo>
-                    <a:pt x="1287" y="3668"/>
-                    <a:pt x="1239" y="3692"/>
-                    <a:pt x="1216" y="3716"/>
-                  </a:cubicBezTo>
-                  <a:lnTo>
-                    <a:pt x="1073" y="3835"/>
-                  </a:lnTo>
-                  <a:lnTo>
-                    <a:pt x="739" y="3501"/>
-                  </a:lnTo>
-                  <a:lnTo>
-                    <a:pt x="858" y="3358"/>
-                  </a:lnTo>
-                  <a:cubicBezTo>
-                    <a:pt x="906" y="3311"/>
-                    <a:pt x="906" y="3239"/>
-                    <a:pt x="882" y="3168"/>
-                  </a:cubicBezTo>
-                  <a:cubicBezTo>
-                    <a:pt x="787" y="3025"/>
-                    <a:pt x="692" y="2834"/>
-                    <a:pt x="668" y="2644"/>
-                  </a:cubicBezTo>
-                  <a:cubicBezTo>
-                    <a:pt x="644" y="2596"/>
-                    <a:pt x="573" y="2525"/>
-                    <a:pt x="501" y="2525"/>
-                  </a:cubicBezTo>
-                  <a:lnTo>
-                    <a:pt x="311" y="2525"/>
-                  </a:lnTo>
-                  <a:lnTo>
-                    <a:pt x="311" y="2049"/>
-                  </a:lnTo>
-                  <a:lnTo>
-                    <a:pt x="501" y="2049"/>
-                  </a:lnTo>
-                  <a:cubicBezTo>
-                    <a:pt x="573" y="2049"/>
-                    <a:pt x="644" y="1977"/>
-                    <a:pt x="668" y="1929"/>
-                  </a:cubicBezTo>
-                  <a:cubicBezTo>
-                    <a:pt x="692" y="1739"/>
-                    <a:pt x="787" y="1548"/>
-                    <a:pt x="882" y="1406"/>
-                  </a:cubicBezTo>
-                  <a:cubicBezTo>
-                    <a:pt x="906" y="1334"/>
-                    <a:pt x="906" y="1263"/>
-                    <a:pt x="858" y="1215"/>
-                  </a:cubicBezTo>
-                  <a:lnTo>
-                    <a:pt x="739" y="1072"/>
-                  </a:lnTo>
-                  <a:lnTo>
-                    <a:pt x="1073" y="739"/>
-                  </a:lnTo>
-                  <a:cubicBezTo>
-                    <a:pt x="1073" y="727"/>
-                    <a:pt x="1073" y="721"/>
-                    <a:pt x="1076" y="721"/>
-                  </a:cubicBezTo>
-                  <a:cubicBezTo>
-                    <a:pt x="1079" y="721"/>
-                    <a:pt x="1085" y="727"/>
-                    <a:pt x="1096" y="739"/>
-                  </a:cubicBezTo>
-                  <a:lnTo>
-                    <a:pt x="1216" y="858"/>
-                  </a:lnTo>
-                  <a:cubicBezTo>
-                    <a:pt x="1243" y="886"/>
-                    <a:pt x="1280" y="897"/>
-                    <a:pt x="1319" y="897"/>
-                  </a:cubicBezTo>
-                  <a:cubicBezTo>
-                    <a:pt x="1347" y="897"/>
-                    <a:pt x="1376" y="891"/>
-                    <a:pt x="1406" y="882"/>
-                  </a:cubicBezTo>
-                  <a:cubicBezTo>
-                    <a:pt x="1573" y="763"/>
-                    <a:pt x="1739" y="691"/>
-                    <a:pt x="1930" y="667"/>
-                  </a:cubicBezTo>
-                  <a:cubicBezTo>
-                    <a:pt x="2001" y="643"/>
-                    <a:pt x="2049" y="572"/>
-                    <a:pt x="2049" y="501"/>
-                  </a:cubicBezTo>
-                  <a:lnTo>
-                    <a:pt x="2049" y="334"/>
-                  </a:lnTo>
-                  <a:cubicBezTo>
-                    <a:pt x="2049" y="334"/>
-                    <a:pt x="2049" y="310"/>
-                    <a:pt x="2049" y="310"/>
-                  </a:cubicBezTo>
-                  <a:close/>
-                  <a:moveTo>
-                    <a:pt x="2049" y="0"/>
-                  </a:moveTo>
-                  <a:cubicBezTo>
-                    <a:pt x="1882" y="0"/>
-                    <a:pt x="1739" y="143"/>
-                    <a:pt x="1739" y="334"/>
-                  </a:cubicBezTo>
-                  <a:lnTo>
-                    <a:pt x="1739" y="382"/>
-                  </a:lnTo>
-                  <a:cubicBezTo>
-                    <a:pt x="1597" y="429"/>
-                    <a:pt x="1454" y="477"/>
-                    <a:pt x="1335" y="548"/>
-                  </a:cubicBezTo>
-                  <a:lnTo>
-                    <a:pt x="1287" y="501"/>
-                  </a:lnTo>
-                  <a:cubicBezTo>
-                    <a:pt x="1227" y="441"/>
-                    <a:pt x="1150" y="411"/>
-                    <a:pt x="1070" y="411"/>
-                  </a:cubicBezTo>
-                  <a:cubicBezTo>
-                    <a:pt x="989" y="411"/>
-                    <a:pt x="906" y="441"/>
-                    <a:pt x="834" y="501"/>
-                  </a:cubicBezTo>
-                  <a:lnTo>
-                    <a:pt x="501" y="834"/>
-                  </a:lnTo>
-                  <a:cubicBezTo>
-                    <a:pt x="453" y="905"/>
-                    <a:pt x="406" y="977"/>
-                    <a:pt x="406" y="1072"/>
-                  </a:cubicBezTo>
-                  <a:cubicBezTo>
-                    <a:pt x="406" y="1144"/>
-                    <a:pt x="453" y="1239"/>
-                    <a:pt x="501" y="1286"/>
-                  </a:cubicBezTo>
-                  <a:lnTo>
-                    <a:pt x="549" y="1334"/>
-                  </a:lnTo>
-                  <a:cubicBezTo>
-                    <a:pt x="477" y="1453"/>
-                    <a:pt x="430" y="1596"/>
-                    <a:pt x="382" y="1715"/>
-                  </a:cubicBezTo>
-                  <a:lnTo>
-                    <a:pt x="334" y="1715"/>
-                  </a:lnTo>
-                  <a:cubicBezTo>
-                    <a:pt x="144" y="1715"/>
-                    <a:pt x="1" y="1858"/>
-                    <a:pt x="1" y="2049"/>
-                  </a:cubicBezTo>
-                  <a:lnTo>
-                    <a:pt x="1" y="2501"/>
-                  </a:lnTo>
-                  <a:cubicBezTo>
-                    <a:pt x="1" y="2692"/>
-                    <a:pt x="144" y="2834"/>
-                    <a:pt x="334" y="2834"/>
-                  </a:cubicBezTo>
-                  <a:lnTo>
-                    <a:pt x="382" y="2834"/>
-                  </a:lnTo>
-                  <a:cubicBezTo>
-                    <a:pt x="430" y="2977"/>
-                    <a:pt x="477" y="3096"/>
-                    <a:pt x="549" y="3215"/>
-                  </a:cubicBezTo>
-                  <a:lnTo>
-                    <a:pt x="501" y="3263"/>
-                  </a:lnTo>
-                  <a:cubicBezTo>
-                    <a:pt x="453" y="3335"/>
-                    <a:pt x="406" y="3406"/>
-                    <a:pt x="406" y="3501"/>
-                  </a:cubicBezTo>
-                  <a:cubicBezTo>
-                    <a:pt x="406" y="3573"/>
-                    <a:pt x="453" y="3668"/>
-                    <a:pt x="501" y="3716"/>
-                  </a:cubicBezTo>
-                  <a:lnTo>
-                    <a:pt x="834" y="4049"/>
-                  </a:lnTo>
-                  <a:cubicBezTo>
-                    <a:pt x="894" y="4108"/>
-                    <a:pt x="977" y="4138"/>
-                    <a:pt x="1061" y="4138"/>
-                  </a:cubicBezTo>
-                  <a:cubicBezTo>
-                    <a:pt x="1144" y="4138"/>
-                    <a:pt x="1227" y="4108"/>
-                    <a:pt x="1287" y="4049"/>
-                  </a:cubicBezTo>
-                  <a:lnTo>
-                    <a:pt x="1335" y="4001"/>
-                  </a:lnTo>
-                  <a:cubicBezTo>
-                    <a:pt x="1454" y="4073"/>
-                    <a:pt x="1597" y="4120"/>
-                    <a:pt x="1739" y="4168"/>
-                  </a:cubicBezTo>
-                  <a:lnTo>
-                    <a:pt x="1739" y="4216"/>
-                  </a:lnTo>
-                  <a:cubicBezTo>
-                    <a:pt x="1739" y="4406"/>
-                    <a:pt x="1882" y="4549"/>
-                    <a:pt x="2049" y="4549"/>
-                  </a:cubicBezTo>
-                  <a:lnTo>
-                    <a:pt x="2525" y="4549"/>
-                  </a:lnTo>
-                  <a:cubicBezTo>
-                    <a:pt x="2692" y="4549"/>
-                    <a:pt x="2835" y="4406"/>
-                    <a:pt x="2835" y="4239"/>
-                  </a:cubicBezTo>
-                  <a:lnTo>
-                    <a:pt x="2835" y="4168"/>
-                  </a:lnTo>
-                  <a:cubicBezTo>
-                    <a:pt x="2978" y="4144"/>
-                    <a:pt x="3121" y="4073"/>
-                    <a:pt x="3240" y="4025"/>
-                  </a:cubicBezTo>
-                  <a:lnTo>
-                    <a:pt x="3287" y="4049"/>
-                  </a:lnTo>
-                  <a:cubicBezTo>
-                    <a:pt x="3347" y="4108"/>
-                    <a:pt x="3424" y="4138"/>
-                    <a:pt x="3505" y="4138"/>
-                  </a:cubicBezTo>
-                  <a:cubicBezTo>
-                    <a:pt x="3585" y="4138"/>
-                    <a:pt x="3668" y="4108"/>
-                    <a:pt x="3740" y="4049"/>
-                  </a:cubicBezTo>
-                  <a:lnTo>
-                    <a:pt x="4073" y="3716"/>
-                  </a:lnTo>
-                  <a:cubicBezTo>
-                    <a:pt x="4121" y="3668"/>
-                    <a:pt x="4145" y="3573"/>
-                    <a:pt x="4145" y="3501"/>
-                  </a:cubicBezTo>
-                  <a:cubicBezTo>
-                    <a:pt x="4145" y="3406"/>
-                    <a:pt x="4121" y="3335"/>
-                    <a:pt x="4073" y="3263"/>
-                  </a:cubicBezTo>
-                  <a:lnTo>
-                    <a:pt x="4026" y="3239"/>
-                  </a:lnTo>
-                  <a:cubicBezTo>
-                    <a:pt x="4097" y="3096"/>
-                    <a:pt x="4145" y="2977"/>
-                    <a:pt x="4192" y="2834"/>
-                  </a:cubicBezTo>
-                  <a:lnTo>
-                    <a:pt x="4240" y="2834"/>
-                  </a:lnTo>
-                  <a:cubicBezTo>
-                    <a:pt x="4407" y="2834"/>
-                    <a:pt x="4550" y="2692"/>
-                    <a:pt x="4550" y="2525"/>
-                  </a:cubicBezTo>
-                  <a:lnTo>
-                    <a:pt x="4550" y="2049"/>
-                  </a:lnTo>
-                  <a:cubicBezTo>
-                    <a:pt x="4550" y="1882"/>
-                    <a:pt x="4407" y="1739"/>
-                    <a:pt x="4240" y="1739"/>
-                  </a:cubicBezTo>
-                  <a:lnTo>
-                    <a:pt x="4192" y="1739"/>
-                  </a:lnTo>
-                  <a:cubicBezTo>
-                    <a:pt x="4145" y="1596"/>
-                    <a:pt x="4097" y="1453"/>
-                    <a:pt x="4026" y="1334"/>
-                  </a:cubicBezTo>
-                  <a:lnTo>
-                    <a:pt x="4073" y="1286"/>
-                  </a:lnTo>
-                  <a:cubicBezTo>
-                    <a:pt x="4192" y="1167"/>
-                    <a:pt x="4192" y="953"/>
-                    <a:pt x="4073" y="834"/>
-                  </a:cubicBezTo>
-                  <a:lnTo>
-                    <a:pt x="3740" y="501"/>
-                  </a:lnTo>
-                  <a:cubicBezTo>
-                    <a:pt x="3668" y="441"/>
-                    <a:pt x="3585" y="411"/>
-                    <a:pt x="3505" y="411"/>
-                  </a:cubicBezTo>
-                  <a:cubicBezTo>
-                    <a:pt x="3424" y="411"/>
-                    <a:pt x="3347" y="441"/>
-                    <a:pt x="3287" y="501"/>
-                  </a:cubicBezTo>
-                  <a:lnTo>
-                    <a:pt x="3240" y="548"/>
-                  </a:lnTo>
-                  <a:cubicBezTo>
-                    <a:pt x="3121" y="477"/>
-                    <a:pt x="2978" y="429"/>
-                    <a:pt x="2835" y="382"/>
-                  </a:cubicBezTo>
-                  <a:lnTo>
-                    <a:pt x="2835" y="334"/>
-                  </a:lnTo>
-                  <a:cubicBezTo>
-                    <a:pt x="2835" y="143"/>
-                    <a:pt x="2692" y="0"/>
-                    <a:pt x="2525" y="0"/>
-                  </a:cubicBezTo>
-                  <a:close/>
-                </a:path>
-              </a:pathLst>
-            </a:custGeom>
-            <a:solidFill>
-              <a:schemeClr val="lt1"/>
-            </a:solidFill>
-            <a:ln>
-              <a:noFill/>
-            </a:ln>
-          </p:spPr>
-          <p:txBody>
-            <a:bodyPr spcFirstLastPara="1" wrap="square" lIns="91425" tIns="91425" rIns="91425" bIns="91425" anchor="ctr" anchorCtr="0">
-              <a:noAutofit/>
-            </a:bodyPr>
-            <a:lstStyle/>
-            <a:p>
-              <a:pPr marL="0" lvl="0" indent="0" algn="l" rtl="0">
-                <a:spcBef>
-                  <a:spcPts val="0"/>
-                </a:spcBef>
-                <a:spcAft>
-                  <a:spcPts val="0"/>
-                </a:spcAft>
-                <a:buNone/>
-              </a:pPr>
-              <a:endParaRPr>
-                <a:solidFill>
-                  <a:schemeClr val="lt1"/>
-                </a:solidFill>
-              </a:endParaRPr>
-            </a:p>
-          </p:txBody>
-        </p:sp>
-        <p:sp>
-          <p:nvSpPr>
-            <p:cNvPr id="479" name="Google Shape;479;p50"/>
-            <p:cNvSpPr/>
-            <p:nvPr/>
-          </p:nvSpPr>
-          <p:spPr>
-            <a:xfrm>
-              <a:off x="2182273" y="3177174"/>
-              <a:ext cx="84954" cy="83372"/>
-            </a:xfrm>
-            <a:custGeom>
-              <a:avLst/>
-              <a:gdLst/>
-              <a:ahLst/>
-              <a:cxnLst/>
-              <a:rect l="l" t="t" r="r" b="b"/>
-              <a:pathLst>
-                <a:path w="2525" h="2478" extrusionOk="0">
-                  <a:moveTo>
-                    <a:pt x="1286" y="0"/>
-                  </a:moveTo>
-                  <a:cubicBezTo>
-                    <a:pt x="953" y="0"/>
-                    <a:pt x="643" y="143"/>
-                    <a:pt x="429" y="358"/>
-                  </a:cubicBezTo>
-                  <a:cubicBezTo>
-                    <a:pt x="357" y="429"/>
-                    <a:pt x="357" y="524"/>
-                    <a:pt x="429" y="572"/>
-                  </a:cubicBezTo>
-                  <a:cubicBezTo>
-                    <a:pt x="453" y="608"/>
-                    <a:pt x="488" y="625"/>
-                    <a:pt x="527" y="625"/>
-                  </a:cubicBezTo>
-                  <a:cubicBezTo>
-                    <a:pt x="566" y="625"/>
-                    <a:pt x="607" y="608"/>
-                    <a:pt x="643" y="572"/>
-                  </a:cubicBezTo>
-                  <a:cubicBezTo>
-                    <a:pt x="810" y="405"/>
-                    <a:pt x="1048" y="310"/>
-                    <a:pt x="1286" y="310"/>
-                  </a:cubicBezTo>
-                  <a:cubicBezTo>
-                    <a:pt x="1548" y="310"/>
-                    <a:pt x="1762" y="405"/>
-                    <a:pt x="1953" y="572"/>
-                  </a:cubicBezTo>
-                  <a:cubicBezTo>
-                    <a:pt x="2120" y="762"/>
-                    <a:pt x="2215" y="1001"/>
-                    <a:pt x="2215" y="1239"/>
-                  </a:cubicBezTo>
-                  <a:cubicBezTo>
-                    <a:pt x="2215" y="1477"/>
-                    <a:pt x="2120" y="1715"/>
-                    <a:pt x="1953" y="1882"/>
-                  </a:cubicBezTo>
-                  <a:cubicBezTo>
-                    <a:pt x="1762" y="2072"/>
-                    <a:pt x="1548" y="2167"/>
-                    <a:pt x="1286" y="2167"/>
-                  </a:cubicBezTo>
-                  <a:cubicBezTo>
-                    <a:pt x="1048" y="2167"/>
-                    <a:pt x="810" y="2072"/>
-                    <a:pt x="643" y="1882"/>
-                  </a:cubicBezTo>
-                  <a:cubicBezTo>
-                    <a:pt x="429" y="1667"/>
-                    <a:pt x="334" y="1358"/>
-                    <a:pt x="381" y="1048"/>
-                  </a:cubicBezTo>
-                  <a:cubicBezTo>
-                    <a:pt x="405" y="977"/>
-                    <a:pt x="357" y="881"/>
-                    <a:pt x="262" y="881"/>
-                  </a:cubicBezTo>
-                  <a:cubicBezTo>
-                    <a:pt x="250" y="877"/>
-                    <a:pt x="237" y="875"/>
-                    <a:pt x="224" y="875"/>
-                  </a:cubicBezTo>
-                  <a:cubicBezTo>
-                    <a:pt x="161" y="875"/>
-                    <a:pt x="95" y="922"/>
-                    <a:pt x="95" y="1001"/>
-                  </a:cubicBezTo>
-                  <a:cubicBezTo>
-                    <a:pt x="0" y="1405"/>
-                    <a:pt x="143" y="1810"/>
-                    <a:pt x="429" y="2096"/>
-                  </a:cubicBezTo>
-                  <a:cubicBezTo>
-                    <a:pt x="667" y="2334"/>
-                    <a:pt x="977" y="2477"/>
-                    <a:pt x="1286" y="2477"/>
-                  </a:cubicBezTo>
-                  <a:cubicBezTo>
-                    <a:pt x="1620" y="2477"/>
-                    <a:pt x="1929" y="2334"/>
-                    <a:pt x="2167" y="2096"/>
-                  </a:cubicBezTo>
-                  <a:cubicBezTo>
-                    <a:pt x="2382" y="1882"/>
-                    <a:pt x="2525" y="1572"/>
-                    <a:pt x="2525" y="1239"/>
-                  </a:cubicBezTo>
-                  <a:cubicBezTo>
-                    <a:pt x="2525" y="905"/>
-                    <a:pt x="2382" y="596"/>
-                    <a:pt x="2167" y="358"/>
-                  </a:cubicBezTo>
-                  <a:cubicBezTo>
-                    <a:pt x="1929" y="143"/>
-                    <a:pt x="1620" y="0"/>
-                    <a:pt x="1286" y="0"/>
-                  </a:cubicBezTo>
-                  <a:close/>
-                </a:path>
-              </a:pathLst>
-            </a:custGeom>
-            <a:solidFill>
-              <a:schemeClr val="lt1"/>
-            </a:solidFill>
-            <a:ln>
-              <a:noFill/>
-            </a:ln>
-          </p:spPr>
-          <p:txBody>
-            <a:bodyPr spcFirstLastPara="1" wrap="square" lIns="91425" tIns="91425" rIns="91425" bIns="91425" anchor="ctr" anchorCtr="0">
-              <a:noAutofit/>
-            </a:bodyPr>
-            <a:lstStyle/>
-            <a:p>
-              <a:pPr marL="0" lvl="0" indent="0" algn="l" rtl="0">
-                <a:spcBef>
-                  <a:spcPts val="0"/>
-                </a:spcBef>
-                <a:spcAft>
-                  <a:spcPts val="0"/>
-                </a:spcAft>
-                <a:buNone/>
-              </a:pPr>
-              <a:endParaRPr>
-                <a:solidFill>
-                  <a:schemeClr val="lt1"/>
-                </a:solidFill>
-              </a:endParaRPr>
-            </a:p>
-          </p:txBody>
-        </p:sp>
-        <p:sp>
-          <p:nvSpPr>
-            <p:cNvPr id="480" name="Google Shape;480;p50"/>
-            <p:cNvSpPr/>
-            <p:nvPr/>
-          </p:nvSpPr>
-          <p:spPr>
-            <a:xfrm>
-              <a:off x="2059671" y="3214015"/>
-              <a:ext cx="44109" cy="9656"/>
-            </a:xfrm>
-            <a:custGeom>
-              <a:avLst/>
-              <a:gdLst/>
-              <a:ahLst/>
-              <a:cxnLst/>
-              <a:rect l="l" t="t" r="r" b="b"/>
-              <a:pathLst>
-                <a:path w="1311" h="287" extrusionOk="0">
-                  <a:moveTo>
-                    <a:pt x="143" y="1"/>
-                  </a:moveTo>
-                  <a:cubicBezTo>
-                    <a:pt x="72" y="1"/>
-                    <a:pt x="1" y="48"/>
-                    <a:pt x="1" y="144"/>
-                  </a:cubicBezTo>
-                  <a:cubicBezTo>
-                    <a:pt x="1" y="215"/>
-                    <a:pt x="72" y="287"/>
-                    <a:pt x="143" y="287"/>
-                  </a:cubicBezTo>
-                  <a:lnTo>
-                    <a:pt x="1167" y="287"/>
-                  </a:lnTo>
-                  <a:cubicBezTo>
-                    <a:pt x="1239" y="287"/>
-                    <a:pt x="1310" y="215"/>
-                    <a:pt x="1310" y="144"/>
-                  </a:cubicBezTo>
-                  <a:cubicBezTo>
-                    <a:pt x="1310" y="48"/>
-                    <a:pt x="1239" y="1"/>
-                    <a:pt x="1167" y="1"/>
-                  </a:cubicBezTo>
-                  <a:close/>
-                </a:path>
-              </a:pathLst>
-            </a:custGeom>
-            <a:solidFill>
-              <a:schemeClr val="lt1"/>
-            </a:solidFill>
-            <a:ln>
-              <a:noFill/>
-            </a:ln>
-          </p:spPr>
-          <p:txBody>
-            <a:bodyPr spcFirstLastPara="1" wrap="square" lIns="91425" tIns="91425" rIns="91425" bIns="91425" anchor="ctr" anchorCtr="0">
-              <a:noAutofit/>
-            </a:bodyPr>
-            <a:lstStyle/>
-            <a:p>
-              <a:pPr marL="0" lvl="0" indent="0" algn="l" rtl="0">
-                <a:spcBef>
-                  <a:spcPts val="0"/>
-                </a:spcBef>
-                <a:spcAft>
-                  <a:spcPts val="0"/>
-                </a:spcAft>
-                <a:buNone/>
-              </a:pPr>
-              <a:endParaRPr>
-                <a:solidFill>
-                  <a:schemeClr val="lt1"/>
-                </a:solidFill>
-              </a:endParaRPr>
-            </a:p>
-          </p:txBody>
-        </p:sp>
-        <p:sp>
-          <p:nvSpPr>
-            <p:cNvPr id="481" name="Google Shape;481;p50"/>
-            <p:cNvSpPr/>
-            <p:nvPr/>
-          </p:nvSpPr>
-          <p:spPr>
-            <a:xfrm>
-              <a:off x="2077301" y="3135892"/>
-              <a:ext cx="35294" cy="33309"/>
-            </a:xfrm>
-            <a:custGeom>
-              <a:avLst/>
-              <a:gdLst/>
-              <a:ahLst/>
-              <a:cxnLst/>
-              <a:rect l="l" t="t" r="r" b="b"/>
-              <a:pathLst>
-                <a:path w="1049" h="990" extrusionOk="0">
-                  <a:moveTo>
-                    <a:pt x="170" y="1"/>
-                  </a:moveTo>
-                  <a:cubicBezTo>
-                    <a:pt x="131" y="1"/>
-                    <a:pt x="96" y="13"/>
-                    <a:pt x="72" y="37"/>
-                  </a:cubicBezTo>
-                  <a:cubicBezTo>
-                    <a:pt x="1" y="108"/>
-                    <a:pt x="1" y="203"/>
-                    <a:pt x="72" y="251"/>
-                  </a:cubicBezTo>
-                  <a:lnTo>
-                    <a:pt x="786" y="965"/>
-                  </a:lnTo>
-                  <a:cubicBezTo>
-                    <a:pt x="810" y="989"/>
-                    <a:pt x="858" y="989"/>
-                    <a:pt x="882" y="989"/>
-                  </a:cubicBezTo>
-                  <a:cubicBezTo>
-                    <a:pt x="929" y="989"/>
-                    <a:pt x="977" y="989"/>
-                    <a:pt x="1001" y="942"/>
-                  </a:cubicBezTo>
-                  <a:cubicBezTo>
-                    <a:pt x="1048" y="894"/>
-                    <a:pt x="1048" y="799"/>
-                    <a:pt x="1001" y="727"/>
-                  </a:cubicBezTo>
-                  <a:lnTo>
-                    <a:pt x="286" y="37"/>
-                  </a:lnTo>
-                  <a:cubicBezTo>
-                    <a:pt x="251" y="13"/>
-                    <a:pt x="209" y="1"/>
-                    <a:pt x="170" y="1"/>
-                  </a:cubicBezTo>
-                  <a:close/>
-                </a:path>
-              </a:pathLst>
-            </a:custGeom>
-            <a:solidFill>
-              <a:schemeClr val="lt1"/>
-            </a:solidFill>
-            <a:ln>
-              <a:noFill/>
-            </a:ln>
-          </p:spPr>
-          <p:txBody>
-            <a:bodyPr spcFirstLastPara="1" wrap="square" lIns="91425" tIns="91425" rIns="91425" bIns="91425" anchor="ctr" anchorCtr="0">
-              <a:noAutofit/>
-            </a:bodyPr>
-            <a:lstStyle/>
-            <a:p>
-              <a:pPr marL="0" lvl="0" indent="0" algn="l" rtl="0">
-                <a:spcBef>
-                  <a:spcPts val="0"/>
-                </a:spcBef>
-                <a:spcAft>
-                  <a:spcPts val="0"/>
-                </a:spcAft>
-                <a:buNone/>
-              </a:pPr>
-              <a:endParaRPr>
-                <a:solidFill>
-                  <a:schemeClr val="lt1"/>
-                </a:solidFill>
-              </a:endParaRPr>
-            </a:p>
-          </p:txBody>
-        </p:sp>
-        <p:sp>
-          <p:nvSpPr>
-            <p:cNvPr id="482" name="Google Shape;482;p50"/>
-            <p:cNvSpPr/>
-            <p:nvPr/>
-          </p:nvSpPr>
-          <p:spPr>
-            <a:xfrm>
-              <a:off x="2077301" y="3268184"/>
-              <a:ext cx="35294" cy="33208"/>
-            </a:xfrm>
-            <a:custGeom>
-              <a:avLst/>
-              <a:gdLst/>
-              <a:ahLst/>
-              <a:cxnLst/>
-              <a:rect l="l" t="t" r="r" b="b"/>
-              <a:pathLst>
-                <a:path w="1049" h="987" extrusionOk="0">
-                  <a:moveTo>
-                    <a:pt x="873" y="1"/>
-                  </a:moveTo>
-                  <a:cubicBezTo>
-                    <a:pt x="839" y="1"/>
-                    <a:pt x="808" y="13"/>
-                    <a:pt x="786" y="34"/>
-                  </a:cubicBezTo>
-                  <a:lnTo>
-                    <a:pt x="72" y="725"/>
-                  </a:lnTo>
-                  <a:cubicBezTo>
-                    <a:pt x="1" y="796"/>
-                    <a:pt x="1" y="891"/>
-                    <a:pt x="72" y="939"/>
-                  </a:cubicBezTo>
-                  <a:cubicBezTo>
-                    <a:pt x="96" y="963"/>
-                    <a:pt x="143" y="987"/>
-                    <a:pt x="167" y="987"/>
-                  </a:cubicBezTo>
-                  <a:cubicBezTo>
-                    <a:pt x="215" y="987"/>
-                    <a:pt x="262" y="987"/>
-                    <a:pt x="286" y="939"/>
-                  </a:cubicBezTo>
-                  <a:lnTo>
-                    <a:pt x="1001" y="272"/>
-                  </a:lnTo>
-                  <a:cubicBezTo>
-                    <a:pt x="1048" y="201"/>
-                    <a:pt x="1048" y="105"/>
-                    <a:pt x="1001" y="58"/>
-                  </a:cubicBezTo>
-                  <a:cubicBezTo>
-                    <a:pt x="961" y="18"/>
-                    <a:pt x="915" y="1"/>
-                    <a:pt x="873" y="1"/>
-                  </a:cubicBezTo>
-                  <a:close/>
-                </a:path>
-              </a:pathLst>
-            </a:custGeom>
-            <a:solidFill>
-              <a:schemeClr val="lt1"/>
-            </a:solidFill>
-            <a:ln>
-              <a:noFill/>
-            </a:ln>
-          </p:spPr>
-          <p:txBody>
-            <a:bodyPr spcFirstLastPara="1" wrap="square" lIns="91425" tIns="91425" rIns="91425" bIns="91425" anchor="ctr" anchorCtr="0">
-              <a:noAutofit/>
-            </a:bodyPr>
-            <a:lstStyle/>
-            <a:p>
-              <a:pPr marL="0" lvl="0" indent="0" algn="l" rtl="0">
-                <a:spcBef>
-                  <a:spcPts val="0"/>
-                </a:spcBef>
-                <a:spcAft>
-                  <a:spcPts val="0"/>
-                </a:spcAft>
-                <a:buNone/>
-              </a:pPr>
-              <a:endParaRPr>
-                <a:solidFill>
-                  <a:schemeClr val="lt1"/>
-                </a:solidFill>
-              </a:endParaRPr>
-            </a:p>
-          </p:txBody>
-        </p:sp>
-        <p:sp>
-          <p:nvSpPr>
-            <p:cNvPr id="483" name="Google Shape;483;p50"/>
-            <p:cNvSpPr/>
-            <p:nvPr/>
-          </p:nvSpPr>
-          <p:spPr>
-            <a:xfrm>
-              <a:off x="2348110" y="3213208"/>
-              <a:ext cx="44109" cy="10464"/>
-            </a:xfrm>
-            <a:custGeom>
-              <a:avLst/>
-              <a:gdLst/>
-              <a:ahLst/>
-              <a:cxnLst/>
-              <a:rect l="l" t="t" r="r" b="b"/>
-              <a:pathLst>
-                <a:path w="1311" h="311" extrusionOk="0">
-                  <a:moveTo>
-                    <a:pt x="144" y="1"/>
-                  </a:moveTo>
-                  <a:cubicBezTo>
-                    <a:pt x="48" y="1"/>
-                    <a:pt x="1" y="72"/>
-                    <a:pt x="1" y="168"/>
-                  </a:cubicBezTo>
-                  <a:cubicBezTo>
-                    <a:pt x="1" y="239"/>
-                    <a:pt x="48" y="311"/>
-                    <a:pt x="144" y="311"/>
-                  </a:cubicBezTo>
-                  <a:lnTo>
-                    <a:pt x="1144" y="311"/>
-                  </a:lnTo>
-                  <a:cubicBezTo>
-                    <a:pt x="1239" y="311"/>
-                    <a:pt x="1311" y="239"/>
-                    <a:pt x="1311" y="168"/>
-                  </a:cubicBezTo>
-                  <a:cubicBezTo>
-                    <a:pt x="1311" y="72"/>
-                    <a:pt x="1239" y="1"/>
-                    <a:pt x="1144" y="1"/>
-                  </a:cubicBezTo>
-                  <a:close/>
-                </a:path>
-              </a:pathLst>
-            </a:custGeom>
-            <a:solidFill>
-              <a:schemeClr val="lt1"/>
-            </a:solidFill>
-            <a:ln>
-              <a:noFill/>
-            </a:ln>
-          </p:spPr>
-          <p:txBody>
-            <a:bodyPr spcFirstLastPara="1" wrap="square" lIns="91425" tIns="91425" rIns="91425" bIns="91425" anchor="ctr" anchorCtr="0">
-              <a:noAutofit/>
-            </a:bodyPr>
-            <a:lstStyle/>
-            <a:p>
-              <a:pPr marL="0" lvl="0" indent="0" algn="l" rtl="0">
-                <a:spcBef>
-                  <a:spcPts val="0"/>
-                </a:spcBef>
-                <a:spcAft>
-                  <a:spcPts val="0"/>
-                </a:spcAft>
-                <a:buNone/>
-              </a:pPr>
-              <a:endParaRPr>
-                <a:solidFill>
-                  <a:schemeClr val="lt1"/>
-                </a:solidFill>
-              </a:endParaRPr>
-            </a:p>
-          </p:txBody>
-        </p:sp>
-        <p:sp>
-          <p:nvSpPr>
-            <p:cNvPr id="484" name="Google Shape;484;p50"/>
-            <p:cNvSpPr/>
-            <p:nvPr/>
-          </p:nvSpPr>
-          <p:spPr>
-            <a:xfrm>
-              <a:off x="2338521" y="3136094"/>
-              <a:ext cx="35260" cy="33107"/>
-            </a:xfrm>
-            <a:custGeom>
-              <a:avLst/>
-              <a:gdLst/>
-              <a:ahLst/>
-              <a:cxnLst/>
-              <a:rect l="l" t="t" r="r" b="b"/>
-              <a:pathLst>
-                <a:path w="1048" h="984" extrusionOk="0">
-                  <a:moveTo>
-                    <a:pt x="884" y="1"/>
-                  </a:moveTo>
-                  <a:cubicBezTo>
-                    <a:pt x="845" y="1"/>
-                    <a:pt x="810" y="19"/>
-                    <a:pt x="786" y="54"/>
-                  </a:cubicBezTo>
-                  <a:lnTo>
-                    <a:pt x="71" y="745"/>
-                  </a:lnTo>
-                  <a:cubicBezTo>
-                    <a:pt x="0" y="793"/>
-                    <a:pt x="0" y="888"/>
-                    <a:pt x="71" y="959"/>
-                  </a:cubicBezTo>
-                  <a:cubicBezTo>
-                    <a:pt x="95" y="983"/>
-                    <a:pt x="119" y="983"/>
-                    <a:pt x="167" y="983"/>
-                  </a:cubicBezTo>
-                  <a:cubicBezTo>
-                    <a:pt x="214" y="983"/>
-                    <a:pt x="238" y="983"/>
-                    <a:pt x="286" y="959"/>
-                  </a:cubicBezTo>
-                  <a:lnTo>
-                    <a:pt x="976" y="269"/>
-                  </a:lnTo>
-                  <a:cubicBezTo>
-                    <a:pt x="1048" y="197"/>
-                    <a:pt x="1048" y="102"/>
-                    <a:pt x="1000" y="54"/>
-                  </a:cubicBezTo>
-                  <a:cubicBezTo>
-                    <a:pt x="965" y="19"/>
-                    <a:pt x="923" y="1"/>
-                    <a:pt x="884" y="1"/>
-                  </a:cubicBezTo>
-                  <a:close/>
-                </a:path>
-              </a:pathLst>
-            </a:custGeom>
-            <a:solidFill>
-              <a:schemeClr val="lt1"/>
-            </a:solidFill>
-            <a:ln>
-              <a:noFill/>
-            </a:ln>
-          </p:spPr>
-          <p:txBody>
-            <a:bodyPr spcFirstLastPara="1" wrap="square" lIns="91425" tIns="91425" rIns="91425" bIns="91425" anchor="ctr" anchorCtr="0">
-              <a:noAutofit/>
-            </a:bodyPr>
-            <a:lstStyle/>
-            <a:p>
-              <a:pPr marL="0" lvl="0" indent="0" algn="l" rtl="0">
-                <a:spcBef>
-                  <a:spcPts val="0"/>
-                </a:spcBef>
-                <a:spcAft>
-                  <a:spcPts val="0"/>
-                </a:spcAft>
-                <a:buNone/>
-              </a:pPr>
-              <a:endParaRPr>
-                <a:solidFill>
-                  <a:schemeClr val="lt1"/>
-                </a:solidFill>
-              </a:endParaRPr>
-            </a:p>
-          </p:txBody>
-        </p:sp>
-        <p:sp>
-          <p:nvSpPr>
-            <p:cNvPr id="485" name="Google Shape;485;p50"/>
-            <p:cNvSpPr/>
-            <p:nvPr/>
-          </p:nvSpPr>
-          <p:spPr>
-            <a:xfrm>
-              <a:off x="2338521" y="3267780"/>
-              <a:ext cx="35260" cy="33611"/>
-            </a:xfrm>
-            <a:custGeom>
-              <a:avLst/>
-              <a:gdLst/>
-              <a:ahLst/>
-              <a:cxnLst/>
-              <a:rect l="l" t="t" r="r" b="b"/>
-              <a:pathLst>
-                <a:path w="1048" h="999" extrusionOk="0">
-                  <a:moveTo>
-                    <a:pt x="181" y="1"/>
-                  </a:moveTo>
-                  <a:cubicBezTo>
-                    <a:pt x="138" y="1"/>
-                    <a:pt x="98" y="20"/>
-                    <a:pt x="71" y="46"/>
-                  </a:cubicBezTo>
-                  <a:cubicBezTo>
-                    <a:pt x="0" y="117"/>
-                    <a:pt x="0" y="213"/>
-                    <a:pt x="71" y="260"/>
-                  </a:cubicBezTo>
-                  <a:lnTo>
-                    <a:pt x="786" y="951"/>
-                  </a:lnTo>
-                  <a:cubicBezTo>
-                    <a:pt x="810" y="975"/>
-                    <a:pt x="834" y="999"/>
-                    <a:pt x="881" y="999"/>
-                  </a:cubicBezTo>
-                  <a:cubicBezTo>
-                    <a:pt x="929" y="999"/>
-                    <a:pt x="953" y="975"/>
-                    <a:pt x="1000" y="951"/>
-                  </a:cubicBezTo>
-                  <a:cubicBezTo>
-                    <a:pt x="1048" y="879"/>
-                    <a:pt x="1048" y="784"/>
-                    <a:pt x="1000" y="737"/>
-                  </a:cubicBezTo>
-                  <a:lnTo>
-                    <a:pt x="286" y="46"/>
-                  </a:lnTo>
-                  <a:cubicBezTo>
-                    <a:pt x="254" y="14"/>
-                    <a:pt x="216" y="1"/>
-                    <a:pt x="181" y="1"/>
-                  </a:cubicBezTo>
-                  <a:close/>
-                </a:path>
-              </a:pathLst>
-            </a:custGeom>
-            <a:solidFill>
-              <a:schemeClr val="lt1"/>
-            </a:solidFill>
-            <a:ln>
-              <a:noFill/>
-            </a:ln>
-          </p:spPr>
-          <p:txBody>
-            <a:bodyPr spcFirstLastPara="1" wrap="square" lIns="91425" tIns="91425" rIns="91425" bIns="91425" anchor="ctr" anchorCtr="0">
-              <a:noAutofit/>
-            </a:bodyPr>
-            <a:lstStyle/>
-            <a:p>
-              <a:pPr marL="0" lvl="0" indent="0" algn="l" rtl="0">
-                <a:spcBef>
-                  <a:spcPts val="0"/>
-                </a:spcBef>
-                <a:spcAft>
-                  <a:spcPts val="0"/>
-                </a:spcAft>
-                <a:buNone/>
-              </a:pPr>
-              <a:endParaRPr>
-                <a:solidFill>
-                  <a:schemeClr val="lt1"/>
-                </a:solidFill>
-              </a:endParaRPr>
-            </a:p>
-          </p:txBody>
-        </p:sp>
-        <p:sp>
-          <p:nvSpPr>
-            <p:cNvPr id="486" name="Google Shape;486;p50"/>
-            <p:cNvSpPr/>
-            <p:nvPr/>
-          </p:nvSpPr>
-          <p:spPr>
-            <a:xfrm>
-              <a:off x="2075686" y="3117892"/>
-              <a:ext cx="300517" cy="350951"/>
-            </a:xfrm>
-            <a:custGeom>
-              <a:avLst/>
-              <a:gdLst/>
-              <a:ahLst/>
-              <a:cxnLst/>
-              <a:rect l="l" t="t" r="r" b="b"/>
-              <a:pathLst>
-                <a:path w="8932" h="10431" extrusionOk="0">
-                  <a:moveTo>
-                    <a:pt x="4454" y="310"/>
-                  </a:moveTo>
-                  <a:cubicBezTo>
-                    <a:pt x="5954" y="310"/>
-                    <a:pt x="7145" y="1524"/>
-                    <a:pt x="7145" y="3001"/>
-                  </a:cubicBezTo>
-                  <a:cubicBezTo>
-                    <a:pt x="7145" y="4477"/>
-                    <a:pt x="5954" y="5692"/>
-                    <a:pt x="4454" y="5692"/>
-                  </a:cubicBezTo>
-                  <a:cubicBezTo>
-                    <a:pt x="2978" y="5692"/>
-                    <a:pt x="1763" y="4477"/>
-                    <a:pt x="1763" y="3001"/>
-                  </a:cubicBezTo>
-                  <a:cubicBezTo>
-                    <a:pt x="1763" y="1524"/>
-                    <a:pt x="2978" y="310"/>
-                    <a:pt x="4454" y="310"/>
-                  </a:cubicBezTo>
-                  <a:close/>
-                  <a:moveTo>
-                    <a:pt x="5645" y="5739"/>
-                  </a:moveTo>
-                  <a:lnTo>
-                    <a:pt x="5645" y="6216"/>
-                  </a:lnTo>
-                  <a:lnTo>
-                    <a:pt x="4454" y="6930"/>
-                  </a:lnTo>
-                  <a:lnTo>
-                    <a:pt x="3263" y="6216"/>
-                  </a:lnTo>
-                  <a:lnTo>
-                    <a:pt x="3263" y="6168"/>
-                  </a:lnTo>
-                  <a:lnTo>
-                    <a:pt x="3263" y="5739"/>
-                  </a:lnTo>
-                  <a:cubicBezTo>
-                    <a:pt x="3621" y="5906"/>
-                    <a:pt x="4026" y="6001"/>
-                    <a:pt x="4454" y="6001"/>
-                  </a:cubicBezTo>
-                  <a:cubicBezTo>
-                    <a:pt x="4883" y="6001"/>
-                    <a:pt x="5288" y="5906"/>
-                    <a:pt x="5645" y="5739"/>
-                  </a:cubicBezTo>
-                  <a:close/>
-                  <a:moveTo>
-                    <a:pt x="3073" y="6454"/>
-                  </a:moveTo>
-                  <a:lnTo>
-                    <a:pt x="4168" y="7097"/>
-                  </a:lnTo>
-                  <a:lnTo>
-                    <a:pt x="3478" y="7502"/>
-                  </a:lnTo>
-                  <a:cubicBezTo>
-                    <a:pt x="3427" y="7518"/>
-                    <a:pt x="3389" y="7535"/>
-                    <a:pt x="3354" y="7535"/>
-                  </a:cubicBezTo>
-                  <a:cubicBezTo>
-                    <a:pt x="3339" y="7535"/>
-                    <a:pt x="3325" y="7532"/>
-                    <a:pt x="3311" y="7525"/>
-                  </a:cubicBezTo>
-                  <a:cubicBezTo>
-                    <a:pt x="3287" y="7525"/>
-                    <a:pt x="3263" y="7502"/>
-                    <a:pt x="3263" y="7454"/>
-                  </a:cubicBezTo>
-                  <a:lnTo>
-                    <a:pt x="2859" y="6501"/>
-                  </a:lnTo>
-                  <a:cubicBezTo>
-                    <a:pt x="2906" y="6501"/>
-                    <a:pt x="3073" y="6454"/>
-                    <a:pt x="3073" y="6454"/>
-                  </a:cubicBezTo>
-                  <a:close/>
-                  <a:moveTo>
-                    <a:pt x="5835" y="6454"/>
-                  </a:moveTo>
-                  <a:cubicBezTo>
-                    <a:pt x="5859" y="6454"/>
-                    <a:pt x="5859" y="6478"/>
-                    <a:pt x="5883" y="6478"/>
-                  </a:cubicBezTo>
-                  <a:lnTo>
-                    <a:pt x="5931" y="6478"/>
-                  </a:lnTo>
-                  <a:cubicBezTo>
-                    <a:pt x="5978" y="6501"/>
-                    <a:pt x="6026" y="6501"/>
-                    <a:pt x="6050" y="6501"/>
-                  </a:cubicBezTo>
-                  <a:lnTo>
-                    <a:pt x="5669" y="7454"/>
-                  </a:lnTo>
-                  <a:cubicBezTo>
-                    <a:pt x="5645" y="7502"/>
-                    <a:pt x="5621" y="7525"/>
-                    <a:pt x="5597" y="7525"/>
-                  </a:cubicBezTo>
-                  <a:cubicBezTo>
-                    <a:pt x="5590" y="7532"/>
-                    <a:pt x="5581" y="7535"/>
-                    <a:pt x="5570" y="7535"/>
-                  </a:cubicBezTo>
-                  <a:cubicBezTo>
-                    <a:pt x="5544" y="7535"/>
-                    <a:pt x="5505" y="7518"/>
-                    <a:pt x="5454" y="7502"/>
-                  </a:cubicBezTo>
-                  <a:lnTo>
-                    <a:pt x="4764" y="7097"/>
-                  </a:lnTo>
-                  <a:lnTo>
-                    <a:pt x="5835" y="6454"/>
-                  </a:lnTo>
-                  <a:close/>
-                  <a:moveTo>
-                    <a:pt x="4454" y="7263"/>
-                  </a:moveTo>
-                  <a:lnTo>
-                    <a:pt x="5026" y="7597"/>
-                  </a:lnTo>
-                  <a:lnTo>
-                    <a:pt x="4740" y="8121"/>
-                  </a:lnTo>
-                  <a:lnTo>
-                    <a:pt x="4168" y="8121"/>
-                  </a:lnTo>
-                  <a:lnTo>
-                    <a:pt x="3883" y="7597"/>
-                  </a:lnTo>
-                  <a:lnTo>
-                    <a:pt x="4454" y="7263"/>
-                  </a:lnTo>
-                  <a:close/>
-                  <a:moveTo>
-                    <a:pt x="4740" y="8407"/>
-                  </a:moveTo>
-                  <a:lnTo>
-                    <a:pt x="5121" y="9502"/>
-                  </a:lnTo>
-                  <a:cubicBezTo>
-                    <a:pt x="5121" y="9502"/>
-                    <a:pt x="5121" y="9526"/>
-                    <a:pt x="5121" y="9526"/>
-                  </a:cubicBezTo>
-                  <a:lnTo>
-                    <a:pt x="4788" y="10121"/>
-                  </a:lnTo>
-                  <a:lnTo>
-                    <a:pt x="4145" y="10121"/>
-                  </a:lnTo>
-                  <a:lnTo>
-                    <a:pt x="3787" y="9526"/>
-                  </a:lnTo>
-                  <a:cubicBezTo>
-                    <a:pt x="3787" y="9502"/>
-                    <a:pt x="3787" y="9502"/>
-                    <a:pt x="3787" y="9502"/>
-                  </a:cubicBezTo>
-                  <a:lnTo>
-                    <a:pt x="4168" y="8407"/>
-                  </a:lnTo>
-                  <a:close/>
-                  <a:moveTo>
-                    <a:pt x="6359" y="6573"/>
-                  </a:moveTo>
-                  <a:cubicBezTo>
-                    <a:pt x="7264" y="6787"/>
-                    <a:pt x="8169" y="7097"/>
-                    <a:pt x="8312" y="8073"/>
-                  </a:cubicBezTo>
-                  <a:lnTo>
-                    <a:pt x="8622" y="10074"/>
-                  </a:lnTo>
-                  <a:cubicBezTo>
-                    <a:pt x="8622" y="10097"/>
-                    <a:pt x="8622" y="10097"/>
-                    <a:pt x="8622" y="10097"/>
-                  </a:cubicBezTo>
-                  <a:cubicBezTo>
-                    <a:pt x="8598" y="10121"/>
-                    <a:pt x="8574" y="10121"/>
-                    <a:pt x="8550" y="10121"/>
-                  </a:cubicBezTo>
-                  <a:lnTo>
-                    <a:pt x="6907" y="10121"/>
-                  </a:lnTo>
-                  <a:lnTo>
-                    <a:pt x="6907" y="8716"/>
-                  </a:lnTo>
-                  <a:cubicBezTo>
-                    <a:pt x="6907" y="8645"/>
-                    <a:pt x="6836" y="8573"/>
-                    <a:pt x="6740" y="8573"/>
-                  </a:cubicBezTo>
-                  <a:cubicBezTo>
-                    <a:pt x="6669" y="8573"/>
-                    <a:pt x="6597" y="8645"/>
-                    <a:pt x="6597" y="8716"/>
-                  </a:cubicBezTo>
-                  <a:lnTo>
-                    <a:pt x="6597" y="10121"/>
-                  </a:lnTo>
-                  <a:lnTo>
-                    <a:pt x="5145" y="10121"/>
-                  </a:lnTo>
-                  <a:lnTo>
-                    <a:pt x="5407" y="9669"/>
-                  </a:lnTo>
-                  <a:cubicBezTo>
-                    <a:pt x="5454" y="9573"/>
-                    <a:pt x="5454" y="9502"/>
-                    <a:pt x="5431" y="9407"/>
-                  </a:cubicBezTo>
-                  <a:lnTo>
-                    <a:pt x="5002" y="8264"/>
-                  </a:lnTo>
-                  <a:lnTo>
-                    <a:pt x="5288" y="7764"/>
-                  </a:lnTo>
-                  <a:lnTo>
-                    <a:pt x="5312" y="7764"/>
-                  </a:lnTo>
-                  <a:cubicBezTo>
-                    <a:pt x="5407" y="7811"/>
-                    <a:pt x="5502" y="7835"/>
-                    <a:pt x="5573" y="7835"/>
-                  </a:cubicBezTo>
-                  <a:cubicBezTo>
-                    <a:pt x="5621" y="7835"/>
-                    <a:pt x="5669" y="7835"/>
-                    <a:pt x="5716" y="7811"/>
-                  </a:cubicBezTo>
-                  <a:cubicBezTo>
-                    <a:pt x="5812" y="7787"/>
-                    <a:pt x="5907" y="7692"/>
-                    <a:pt x="5954" y="7549"/>
-                  </a:cubicBezTo>
-                  <a:lnTo>
-                    <a:pt x="6359" y="6573"/>
-                  </a:lnTo>
-                  <a:close/>
-                  <a:moveTo>
-                    <a:pt x="4454" y="0"/>
-                  </a:moveTo>
-                  <a:cubicBezTo>
-                    <a:pt x="2811" y="0"/>
-                    <a:pt x="1454" y="1357"/>
-                    <a:pt x="1454" y="3001"/>
-                  </a:cubicBezTo>
-                  <a:cubicBezTo>
-                    <a:pt x="1454" y="4096"/>
-                    <a:pt x="2073" y="5073"/>
-                    <a:pt x="2978" y="5596"/>
-                  </a:cubicBezTo>
-                  <a:lnTo>
-                    <a:pt x="2978" y="6168"/>
-                  </a:lnTo>
-                  <a:cubicBezTo>
-                    <a:pt x="2954" y="6168"/>
-                    <a:pt x="2787" y="6216"/>
-                    <a:pt x="2716" y="6239"/>
-                  </a:cubicBezTo>
-                  <a:cubicBezTo>
-                    <a:pt x="2406" y="6311"/>
-                    <a:pt x="2049" y="6382"/>
-                    <a:pt x="1716" y="6525"/>
-                  </a:cubicBezTo>
-                  <a:cubicBezTo>
-                    <a:pt x="1620" y="6549"/>
-                    <a:pt x="1596" y="6644"/>
-                    <a:pt x="1620" y="6716"/>
-                  </a:cubicBezTo>
-                  <a:cubicBezTo>
-                    <a:pt x="1644" y="6787"/>
-                    <a:pt x="1692" y="6811"/>
-                    <a:pt x="1763" y="6811"/>
-                  </a:cubicBezTo>
-                  <a:lnTo>
-                    <a:pt x="1811" y="6811"/>
-                  </a:lnTo>
-                  <a:cubicBezTo>
-                    <a:pt x="2049" y="6716"/>
-                    <a:pt x="2311" y="6644"/>
-                    <a:pt x="2573" y="6573"/>
-                  </a:cubicBezTo>
-                  <a:lnTo>
-                    <a:pt x="2978" y="7573"/>
-                  </a:lnTo>
-                  <a:cubicBezTo>
-                    <a:pt x="3025" y="7692"/>
-                    <a:pt x="3121" y="7787"/>
-                    <a:pt x="3216" y="7811"/>
-                  </a:cubicBezTo>
-                  <a:cubicBezTo>
-                    <a:pt x="3269" y="7833"/>
-                    <a:pt x="3323" y="7844"/>
-                    <a:pt x="3381" y="7844"/>
-                  </a:cubicBezTo>
-                  <a:cubicBezTo>
-                    <a:pt x="3452" y="7844"/>
-                    <a:pt x="3529" y="7827"/>
-                    <a:pt x="3621" y="7787"/>
-                  </a:cubicBezTo>
-                  <a:cubicBezTo>
-                    <a:pt x="3621" y="7764"/>
-                    <a:pt x="3621" y="7764"/>
-                    <a:pt x="3621" y="7764"/>
-                  </a:cubicBezTo>
-                  <a:lnTo>
-                    <a:pt x="3644" y="7764"/>
-                  </a:lnTo>
-                  <a:lnTo>
-                    <a:pt x="3906" y="8264"/>
-                  </a:lnTo>
-                  <a:lnTo>
-                    <a:pt x="3502" y="9407"/>
-                  </a:lnTo>
-                  <a:cubicBezTo>
-                    <a:pt x="3478" y="9502"/>
-                    <a:pt x="3478" y="9597"/>
-                    <a:pt x="3525" y="9669"/>
-                  </a:cubicBezTo>
-                  <a:lnTo>
-                    <a:pt x="3787" y="10121"/>
-                  </a:lnTo>
-                  <a:lnTo>
-                    <a:pt x="2311" y="10121"/>
-                  </a:lnTo>
-                  <a:lnTo>
-                    <a:pt x="2311" y="8716"/>
-                  </a:lnTo>
-                  <a:cubicBezTo>
-                    <a:pt x="2311" y="8645"/>
-                    <a:pt x="2263" y="8573"/>
-                    <a:pt x="2168" y="8573"/>
-                  </a:cubicBezTo>
-                  <a:cubicBezTo>
-                    <a:pt x="2097" y="8573"/>
-                    <a:pt x="2025" y="8645"/>
-                    <a:pt x="2025" y="8716"/>
-                  </a:cubicBezTo>
-                  <a:lnTo>
-                    <a:pt x="2025" y="10121"/>
-                  </a:lnTo>
-                  <a:lnTo>
-                    <a:pt x="310" y="10121"/>
-                  </a:lnTo>
-                  <a:cubicBezTo>
-                    <a:pt x="310" y="10097"/>
-                    <a:pt x="310" y="10097"/>
-                    <a:pt x="310" y="10097"/>
-                  </a:cubicBezTo>
-                  <a:lnTo>
-                    <a:pt x="620" y="8097"/>
-                  </a:lnTo>
-                  <a:cubicBezTo>
-                    <a:pt x="668" y="7644"/>
-                    <a:pt x="906" y="7311"/>
-                    <a:pt x="1287" y="7073"/>
-                  </a:cubicBezTo>
-                  <a:cubicBezTo>
-                    <a:pt x="1358" y="7025"/>
-                    <a:pt x="1382" y="6930"/>
-                    <a:pt x="1334" y="6859"/>
-                  </a:cubicBezTo>
-                  <a:cubicBezTo>
-                    <a:pt x="1304" y="6812"/>
-                    <a:pt x="1253" y="6786"/>
-                    <a:pt x="1202" y="6786"/>
-                  </a:cubicBezTo>
-                  <a:cubicBezTo>
-                    <a:pt x="1174" y="6786"/>
-                    <a:pt x="1145" y="6794"/>
-                    <a:pt x="1120" y="6811"/>
-                  </a:cubicBezTo>
-                  <a:cubicBezTo>
-                    <a:pt x="644" y="7097"/>
-                    <a:pt x="382" y="7502"/>
-                    <a:pt x="310" y="8049"/>
-                  </a:cubicBezTo>
-                  <a:lnTo>
-                    <a:pt x="25" y="10050"/>
-                  </a:lnTo>
-                  <a:cubicBezTo>
-                    <a:pt x="1" y="10121"/>
-                    <a:pt x="1" y="10240"/>
-                    <a:pt x="72" y="10312"/>
-                  </a:cubicBezTo>
-                  <a:cubicBezTo>
-                    <a:pt x="144" y="10407"/>
-                    <a:pt x="263" y="10431"/>
-                    <a:pt x="382" y="10431"/>
-                  </a:cubicBezTo>
-                  <a:lnTo>
-                    <a:pt x="8550" y="10431"/>
-                  </a:lnTo>
-                  <a:cubicBezTo>
-                    <a:pt x="8669" y="10431"/>
-                    <a:pt x="8765" y="10407"/>
-                    <a:pt x="8860" y="10312"/>
-                  </a:cubicBezTo>
-                  <a:cubicBezTo>
-                    <a:pt x="8931" y="10240"/>
-                    <a:pt x="8931" y="10121"/>
-                    <a:pt x="8907" y="10050"/>
-                  </a:cubicBezTo>
-                  <a:lnTo>
-                    <a:pt x="8622" y="8049"/>
-                  </a:lnTo>
-                  <a:cubicBezTo>
-                    <a:pt x="8526" y="7478"/>
-                    <a:pt x="8217" y="7049"/>
-                    <a:pt x="7669" y="6740"/>
-                  </a:cubicBezTo>
-                  <a:cubicBezTo>
-                    <a:pt x="7264" y="6478"/>
-                    <a:pt x="6764" y="6358"/>
-                    <a:pt x="6312" y="6263"/>
-                  </a:cubicBezTo>
-                  <a:lnTo>
-                    <a:pt x="6288" y="6263"/>
-                  </a:lnTo>
-                  <a:cubicBezTo>
-                    <a:pt x="6264" y="6239"/>
-                    <a:pt x="6240" y="6239"/>
-                    <a:pt x="6193" y="6239"/>
-                  </a:cubicBezTo>
-                  <a:cubicBezTo>
-                    <a:pt x="6145" y="6216"/>
-                    <a:pt x="6074" y="6192"/>
-                    <a:pt x="6026" y="6192"/>
-                  </a:cubicBezTo>
-                  <a:cubicBezTo>
-                    <a:pt x="6002" y="6192"/>
-                    <a:pt x="5978" y="6168"/>
-                    <a:pt x="5954" y="6168"/>
-                  </a:cubicBezTo>
-                  <a:lnTo>
-                    <a:pt x="5954" y="5596"/>
-                  </a:lnTo>
-                  <a:cubicBezTo>
-                    <a:pt x="6859" y="5073"/>
-                    <a:pt x="7455" y="4096"/>
-                    <a:pt x="7455" y="3001"/>
-                  </a:cubicBezTo>
-                  <a:cubicBezTo>
-                    <a:pt x="7455" y="1357"/>
-                    <a:pt x="6121" y="0"/>
-                    <a:pt x="4454" y="0"/>
-                  </a:cubicBezTo>
-                  <a:close/>
-                </a:path>
-              </a:pathLst>
-            </a:custGeom>
-            <a:solidFill>
-              <a:schemeClr val="lt1"/>
-            </a:solidFill>
-            <a:ln>
-              <a:noFill/>
-            </a:ln>
-          </p:spPr>
-          <p:txBody>
-            <a:bodyPr spcFirstLastPara="1" wrap="square" lIns="91425" tIns="91425" rIns="91425" bIns="91425" anchor="ctr" anchorCtr="0">
-              <a:noAutofit/>
-            </a:bodyPr>
-            <a:lstStyle/>
-            <a:p>
-              <a:pPr marL="0" lvl="0" indent="0" algn="l" rtl="0">
-                <a:spcBef>
-                  <a:spcPts val="0"/>
-                </a:spcBef>
-                <a:spcAft>
-                  <a:spcPts val="0"/>
-                </a:spcAft>
-                <a:buNone/>
-              </a:pPr>
-              <a:endParaRPr>
-                <a:solidFill>
-                  <a:schemeClr val="lt1"/>
-                </a:solidFill>
-              </a:endParaRPr>
-            </a:p>
-          </p:txBody>
-        </p:sp>
-      </p:grpSp>
       <p:sp>
         <p:nvSpPr>
           <p:cNvPr id="495" name="Google Shape;495;p50"/>
@@ -11737,394 +10019,6 @@
               <a:t>MAIN SKILL CATEGORIES</a:t>
             </a:r>
             <a:endParaRPr dirty="0"/>
-          </a:p>
-        </p:txBody>
-      </p:sp>
-      <p:sp>
-        <p:nvSpPr>
-          <p:cNvPr id="2" name="Google Shape;10365;p91">
-            <a:extLst>
-              <a:ext uri="{FF2B5EF4-FFF2-40B4-BE49-F238E27FC236}">
-                <a16:creationId xmlns:a16="http://schemas.microsoft.com/office/drawing/2014/main" id="{7008C4B2-37C1-6EC2-9E10-667EC589E2FF}"/>
-              </a:ext>
-            </a:extLst>
-          </p:cNvPr>
-          <p:cNvSpPr/>
-          <p:nvPr/>
-        </p:nvSpPr>
-        <p:spPr>
-          <a:xfrm>
-            <a:off x="1406690" y="3494415"/>
-            <a:ext cx="734445" cy="564987"/>
-          </a:xfrm>
-          <a:custGeom>
-            <a:avLst/>
-            <a:gdLst/>
-            <a:ahLst/>
-            <a:cxnLst/>
-            <a:rect l="l" t="t" r="r" b="b"/>
-            <a:pathLst>
-              <a:path w="11943" h="9734" extrusionOk="0">
-                <a:moveTo>
-                  <a:pt x="11585" y="2638"/>
-                </a:moveTo>
-                <a:lnTo>
-                  <a:pt x="11585" y="3066"/>
-                </a:lnTo>
-                <a:lnTo>
-                  <a:pt x="9121" y="4007"/>
-                </a:lnTo>
-                <a:lnTo>
-                  <a:pt x="9121" y="3566"/>
-                </a:lnTo>
-                <a:lnTo>
-                  <a:pt x="11585" y="2638"/>
-                </a:lnTo>
-                <a:close/>
-                <a:moveTo>
-                  <a:pt x="370" y="2638"/>
-                </a:moveTo>
-                <a:lnTo>
-                  <a:pt x="5787" y="4697"/>
-                </a:lnTo>
-                <a:lnTo>
-                  <a:pt x="5787" y="5138"/>
-                </a:lnTo>
-                <a:lnTo>
-                  <a:pt x="370" y="3066"/>
-                </a:lnTo>
-                <a:lnTo>
-                  <a:pt x="370" y="2638"/>
-                </a:lnTo>
-                <a:close/>
-                <a:moveTo>
-                  <a:pt x="8764" y="3709"/>
-                </a:moveTo>
-                <a:lnTo>
-                  <a:pt x="8764" y="4138"/>
-                </a:lnTo>
-                <a:lnTo>
-                  <a:pt x="6144" y="5138"/>
-                </a:lnTo>
-                <a:lnTo>
-                  <a:pt x="6144" y="4697"/>
-                </a:lnTo>
-                <a:lnTo>
-                  <a:pt x="8764" y="3709"/>
-                </a:lnTo>
-                <a:close/>
-                <a:moveTo>
-                  <a:pt x="9657" y="4162"/>
-                </a:moveTo>
-                <a:lnTo>
-                  <a:pt x="9657" y="6745"/>
-                </a:lnTo>
-                <a:cubicBezTo>
-                  <a:pt x="9478" y="6876"/>
-                  <a:pt x="9299" y="6995"/>
-                  <a:pt x="9121" y="7114"/>
-                </a:cubicBezTo>
-                <a:lnTo>
-                  <a:pt x="9121" y="4376"/>
-                </a:lnTo>
-                <a:lnTo>
-                  <a:pt x="9657" y="4162"/>
-                </a:lnTo>
-                <a:close/>
-                <a:moveTo>
-                  <a:pt x="8961" y="8757"/>
-                </a:moveTo>
-                <a:cubicBezTo>
-                  <a:pt x="9131" y="8757"/>
-                  <a:pt x="9264" y="8907"/>
-                  <a:pt x="9264" y="9079"/>
-                </a:cubicBezTo>
-                <a:cubicBezTo>
-                  <a:pt x="9264" y="9258"/>
-                  <a:pt x="9109" y="9389"/>
-                  <a:pt x="8942" y="9389"/>
-                </a:cubicBezTo>
-                <a:cubicBezTo>
-                  <a:pt x="8764" y="9389"/>
-                  <a:pt x="8633" y="9246"/>
-                  <a:pt x="8633" y="9079"/>
-                </a:cubicBezTo>
-                <a:cubicBezTo>
-                  <a:pt x="8633" y="8900"/>
-                  <a:pt x="8787" y="8757"/>
-                  <a:pt x="8942" y="8757"/>
-                </a:cubicBezTo>
-                <a:cubicBezTo>
-                  <a:pt x="8949" y="8757"/>
-                  <a:pt x="8955" y="8757"/>
-                  <a:pt x="8961" y="8757"/>
-                </a:cubicBezTo>
-                <a:close/>
-                <a:moveTo>
-                  <a:pt x="5949" y="0"/>
-                </a:moveTo>
-                <a:cubicBezTo>
-                  <a:pt x="5930" y="0"/>
-                  <a:pt x="5912" y="6"/>
-                  <a:pt x="5894" y="18"/>
-                </a:cubicBezTo>
-                <a:lnTo>
-                  <a:pt x="120" y="2221"/>
-                </a:lnTo>
-                <a:cubicBezTo>
-                  <a:pt x="48" y="2245"/>
-                  <a:pt x="1" y="2304"/>
-                  <a:pt x="1" y="2376"/>
-                </a:cubicBezTo>
-                <a:lnTo>
-                  <a:pt x="1" y="3185"/>
-                </a:lnTo>
-                <a:cubicBezTo>
-                  <a:pt x="1" y="3257"/>
-                  <a:pt x="48" y="3316"/>
-                  <a:pt x="120" y="3352"/>
-                </a:cubicBezTo>
-                <a:lnTo>
-                  <a:pt x="1917" y="4031"/>
-                </a:lnTo>
-                <a:lnTo>
-                  <a:pt x="1917" y="4638"/>
-                </a:lnTo>
-                <a:cubicBezTo>
-                  <a:pt x="1917" y="4745"/>
-                  <a:pt x="2001" y="4817"/>
-                  <a:pt x="2096" y="4817"/>
-                </a:cubicBezTo>
-                <a:cubicBezTo>
-                  <a:pt x="2203" y="4817"/>
-                  <a:pt x="2275" y="4745"/>
-                  <a:pt x="2275" y="4638"/>
-                </a:cubicBezTo>
-                <a:lnTo>
-                  <a:pt x="2275" y="4186"/>
-                </a:lnTo>
-                <a:lnTo>
-                  <a:pt x="5894" y="5567"/>
-                </a:lnTo>
-                <a:cubicBezTo>
-                  <a:pt x="5906" y="5579"/>
-                  <a:pt x="5942" y="5579"/>
-                  <a:pt x="5954" y="5579"/>
-                </a:cubicBezTo>
-                <a:cubicBezTo>
-                  <a:pt x="5966" y="5579"/>
-                  <a:pt x="6001" y="5579"/>
-                  <a:pt x="6013" y="5567"/>
-                </a:cubicBezTo>
-                <a:lnTo>
-                  <a:pt x="8740" y="4519"/>
-                </a:lnTo>
-                <a:lnTo>
-                  <a:pt x="8740" y="7317"/>
-                </a:lnTo>
-                <a:cubicBezTo>
-                  <a:pt x="7871" y="7769"/>
-                  <a:pt x="6918" y="8007"/>
-                  <a:pt x="5942" y="8007"/>
-                </a:cubicBezTo>
-                <a:cubicBezTo>
-                  <a:pt x="4620" y="8007"/>
-                  <a:pt x="3310" y="7555"/>
-                  <a:pt x="2263" y="6745"/>
-                </a:cubicBezTo>
-                <a:lnTo>
-                  <a:pt x="2263" y="5352"/>
-                </a:lnTo>
-                <a:cubicBezTo>
-                  <a:pt x="2263" y="5257"/>
-                  <a:pt x="2191" y="5174"/>
-                  <a:pt x="2084" y="5174"/>
-                </a:cubicBezTo>
-                <a:cubicBezTo>
-                  <a:pt x="1977" y="5174"/>
-                  <a:pt x="1906" y="5257"/>
-                  <a:pt x="1906" y="5352"/>
-                </a:cubicBezTo>
-                <a:lnTo>
-                  <a:pt x="1906" y="6817"/>
-                </a:lnTo>
-                <a:cubicBezTo>
-                  <a:pt x="1906" y="6876"/>
-                  <a:pt x="1941" y="6924"/>
-                  <a:pt x="1965" y="6948"/>
-                </a:cubicBezTo>
-                <a:cubicBezTo>
-                  <a:pt x="3084" y="7841"/>
-                  <a:pt x="4501" y="8353"/>
-                  <a:pt x="5942" y="8353"/>
-                </a:cubicBezTo>
-                <a:cubicBezTo>
-                  <a:pt x="6906" y="8353"/>
-                  <a:pt x="7859" y="8126"/>
-                  <a:pt x="8740" y="7698"/>
-                </a:cubicBezTo>
-                <a:lnTo>
-                  <a:pt x="8740" y="8412"/>
-                </a:lnTo>
-                <a:cubicBezTo>
-                  <a:pt x="8454" y="8484"/>
-                  <a:pt x="8252" y="8746"/>
-                  <a:pt x="8252" y="9067"/>
-                </a:cubicBezTo>
-                <a:cubicBezTo>
-                  <a:pt x="8252" y="9436"/>
-                  <a:pt x="8549" y="9734"/>
-                  <a:pt x="8918" y="9734"/>
-                </a:cubicBezTo>
-                <a:cubicBezTo>
-                  <a:pt x="9287" y="9734"/>
-                  <a:pt x="9585" y="9436"/>
-                  <a:pt x="9585" y="9067"/>
-                </a:cubicBezTo>
-                <a:cubicBezTo>
-                  <a:pt x="9585" y="8746"/>
-                  <a:pt x="9383" y="8496"/>
-                  <a:pt x="9097" y="8412"/>
-                </a:cubicBezTo>
-                <a:lnTo>
-                  <a:pt x="9097" y="7495"/>
-                </a:lnTo>
-                <a:cubicBezTo>
-                  <a:pt x="9383" y="7341"/>
-                  <a:pt x="9657" y="7138"/>
-                  <a:pt x="9918" y="6936"/>
-                </a:cubicBezTo>
-                <a:cubicBezTo>
-                  <a:pt x="9954" y="6900"/>
-                  <a:pt x="9978" y="6841"/>
-                  <a:pt x="9978" y="6805"/>
-                </a:cubicBezTo>
-                <a:lnTo>
-                  <a:pt x="9978" y="4019"/>
-                </a:lnTo>
-                <a:lnTo>
-                  <a:pt x="11776" y="3328"/>
-                </a:lnTo>
-                <a:cubicBezTo>
-                  <a:pt x="11847" y="3304"/>
-                  <a:pt x="11895" y="3245"/>
-                  <a:pt x="11895" y="3173"/>
-                </a:cubicBezTo>
-                <a:lnTo>
-                  <a:pt x="11895" y="2364"/>
-                </a:lnTo>
-                <a:cubicBezTo>
-                  <a:pt x="11943" y="2304"/>
-                  <a:pt x="11895" y="2245"/>
-                  <a:pt x="11823" y="2221"/>
-                </a:cubicBezTo>
-                <a:lnTo>
-                  <a:pt x="8049" y="792"/>
-                </a:lnTo>
-                <a:cubicBezTo>
-                  <a:pt x="8030" y="784"/>
-                  <a:pt x="8010" y="780"/>
-                  <a:pt x="7989" y="780"/>
-                </a:cubicBezTo>
-                <a:cubicBezTo>
-                  <a:pt x="7921" y="780"/>
-                  <a:pt x="7853" y="823"/>
-                  <a:pt x="7835" y="887"/>
-                </a:cubicBezTo>
-                <a:cubicBezTo>
-                  <a:pt x="7799" y="983"/>
-                  <a:pt x="7847" y="1090"/>
-                  <a:pt x="7930" y="1114"/>
-                </a:cubicBezTo>
-                <a:lnTo>
-                  <a:pt x="11264" y="2376"/>
-                </a:lnTo>
-                <a:lnTo>
-                  <a:pt x="8966" y="3257"/>
-                </a:lnTo>
-                <a:lnTo>
-                  <a:pt x="6061" y="1947"/>
-                </a:lnTo>
-                <a:cubicBezTo>
-                  <a:pt x="6035" y="1934"/>
-                  <a:pt x="6010" y="1928"/>
-                  <a:pt x="5985" y="1928"/>
-                </a:cubicBezTo>
-                <a:cubicBezTo>
-                  <a:pt x="5918" y="1928"/>
-                  <a:pt x="5858" y="1973"/>
-                  <a:pt x="5823" y="2042"/>
-                </a:cubicBezTo>
-                <a:cubicBezTo>
-                  <a:pt x="5775" y="2126"/>
-                  <a:pt x="5823" y="2233"/>
-                  <a:pt x="5906" y="2281"/>
-                </a:cubicBezTo>
-                <a:lnTo>
-                  <a:pt x="8490" y="3435"/>
-                </a:lnTo>
-                <a:lnTo>
-                  <a:pt x="5966" y="4388"/>
-                </a:lnTo>
-                <a:lnTo>
-                  <a:pt x="691" y="2376"/>
-                </a:lnTo>
-                <a:lnTo>
-                  <a:pt x="5966" y="376"/>
-                </a:lnTo>
-                <a:lnTo>
-                  <a:pt x="7263" y="864"/>
-                </a:lnTo>
-                <a:cubicBezTo>
-                  <a:pt x="7282" y="868"/>
-                  <a:pt x="7301" y="871"/>
-                  <a:pt x="7320" y="871"/>
-                </a:cubicBezTo>
-                <a:cubicBezTo>
-                  <a:pt x="7394" y="871"/>
-                  <a:pt x="7461" y="833"/>
-                  <a:pt x="7490" y="757"/>
-                </a:cubicBezTo>
-                <a:cubicBezTo>
-                  <a:pt x="7513" y="673"/>
-                  <a:pt x="7478" y="566"/>
-                  <a:pt x="7382" y="530"/>
-                </a:cubicBezTo>
-                <a:lnTo>
-                  <a:pt x="6013" y="18"/>
-                </a:lnTo>
-                <a:cubicBezTo>
-                  <a:pt x="5989" y="6"/>
-                  <a:pt x="5969" y="0"/>
-                  <a:pt x="5949" y="0"/>
-                </a:cubicBezTo>
-                <a:close/>
-              </a:path>
-            </a:pathLst>
-          </a:custGeom>
-          <a:solidFill>
-            <a:schemeClr val="bg1"/>
-          </a:solidFill>
-          <a:ln>
-            <a:noFill/>
-          </a:ln>
-        </p:spPr>
-        <p:txBody>
-          <a:bodyPr spcFirstLastPara="1" wrap="square" lIns="91425" tIns="91425" rIns="91425" bIns="91425" anchor="ctr" anchorCtr="0">
-            <a:noAutofit/>
-          </a:bodyPr>
-          <a:lstStyle/>
-          <a:p>
-            <a:pPr marL="0" lvl="0" indent="0" algn="l" rtl="0">
-              <a:spcBef>
-                <a:spcPts val="0"/>
-              </a:spcBef>
-              <a:spcAft>
-                <a:spcPts val="0"/>
-              </a:spcAft>
-              <a:buNone/>
-            </a:pPr>
-            <a:endParaRPr/>
           </a:p>
         </p:txBody>
       </p:sp>
@@ -12678,7 +10572,7 @@
         </p:blipFill>
         <p:spPr>
           <a:xfrm>
-            <a:off x="707500" y="1336205"/>
+            <a:off x="651841" y="1336205"/>
             <a:ext cx="7124700" cy="3438525"/>
           </a:xfrm>
           <a:prstGeom prst="rect">
@@ -12712,7 +10606,7 @@
                             </p:stCondLst>
                             <p:childTnLst>
                               <p:par>
-                                <p:cTn id="5" presetID="1" presetClass="entr" presetSubtype="0" fill="hold" grpId="0" nodeType="clickEffect">
+                                <p:cTn id="5" presetID="1" presetClass="entr" presetSubtype="0" fill="hold" nodeType="clickEffect">
                                   <p:stCondLst>
                                     <p:cond delay="0"/>
                                   </p:stCondLst>
@@ -12720,256 +10614,6 @@
                                     <p:set>
                                       <p:cBhvr>
                                         <p:cTn id="6" dur="1" fill="hold">
-                                          <p:stCondLst>
-                                            <p:cond delay="0"/>
-                                          </p:stCondLst>
-                                        </p:cTn>
-                                        <p:tgtEl>
-                                          <p:spTgt spid="465">
-                                            <p:txEl>
-                                              <p:pRg st="0" end="0"/>
-                                            </p:txEl>
-                                          </p:spTgt>
-                                        </p:tgtEl>
-                                        <p:attrNameLst>
-                                          <p:attrName>style.visibility</p:attrName>
-                                        </p:attrNameLst>
-                                      </p:cBhvr>
-                                      <p:to>
-                                        <p:strVal val="visible"/>
-                                      </p:to>
-                                    </p:set>
-                                  </p:childTnLst>
-                                </p:cTn>
-                              </p:par>
-                              <p:par>
-                                <p:cTn id="7" presetID="1" presetClass="entr" presetSubtype="0" fill="hold" nodeType="withEffect">
-                                  <p:stCondLst>
-                                    <p:cond delay="0"/>
-                                  </p:stCondLst>
-                                  <p:childTnLst>
-                                    <p:set>
-                                      <p:cBhvr>
-                                        <p:cTn id="8" dur="1" fill="hold">
-                                          <p:stCondLst>
-                                            <p:cond delay="0"/>
-                                          </p:stCondLst>
-                                        </p:cTn>
-                                        <p:tgtEl>
-                                          <p:spTgt spid="477"/>
-                                        </p:tgtEl>
-                                        <p:attrNameLst>
-                                          <p:attrName>style.visibility</p:attrName>
-                                        </p:attrNameLst>
-                                      </p:cBhvr>
-                                      <p:to>
-                                        <p:strVal val="visible"/>
-                                      </p:to>
-                                    </p:set>
-                                  </p:childTnLst>
-                                </p:cTn>
-                              </p:par>
-                            </p:childTnLst>
-                          </p:cTn>
-                        </p:par>
-                      </p:childTnLst>
-                    </p:cTn>
-                  </p:par>
-                  <p:par>
-                    <p:cTn id="9" fill="hold">
-                      <p:stCondLst>
-                        <p:cond delay="indefinite"/>
-                      </p:stCondLst>
-                      <p:childTnLst>
-                        <p:par>
-                          <p:cTn id="10" fill="hold">
-                            <p:stCondLst>
-                              <p:cond delay="0"/>
-                            </p:stCondLst>
-                            <p:childTnLst>
-                              <p:par>
-                                <p:cTn id="11" presetID="1" presetClass="entr" presetSubtype="0" fill="hold" grpId="0" nodeType="clickEffect">
-                                  <p:stCondLst>
-                                    <p:cond delay="0"/>
-                                  </p:stCondLst>
-                                  <p:childTnLst>
-                                    <p:set>
-                                      <p:cBhvr>
-                                        <p:cTn id="12" dur="1" fill="hold">
-                                          <p:stCondLst>
-                                            <p:cond delay="0"/>
-                                          </p:stCondLst>
-                                        </p:cTn>
-                                        <p:tgtEl>
-                                          <p:spTgt spid="466">
-                                            <p:txEl>
-                                              <p:pRg st="0" end="0"/>
-                                            </p:txEl>
-                                          </p:spTgt>
-                                        </p:tgtEl>
-                                        <p:attrNameLst>
-                                          <p:attrName>style.visibility</p:attrName>
-                                        </p:attrNameLst>
-                                      </p:cBhvr>
-                                      <p:to>
-                                        <p:strVal val="visible"/>
-                                      </p:to>
-                                    </p:set>
-                                  </p:childTnLst>
-                                </p:cTn>
-                              </p:par>
-                              <p:par>
-                                <p:cTn id="13" presetID="1" presetClass="entr" presetSubtype="0" fill="hold" grpId="0" nodeType="withEffect">
-                                  <p:stCondLst>
-                                    <p:cond delay="0"/>
-                                  </p:stCondLst>
-                                  <p:childTnLst>
-                                    <p:set>
-                                      <p:cBhvr>
-                                        <p:cTn id="14" dur="1" fill="hold">
-                                          <p:stCondLst>
-                                            <p:cond delay="0"/>
-                                          </p:stCondLst>
-                                        </p:cTn>
-                                        <p:tgtEl>
-                                          <p:spTgt spid="2"/>
-                                        </p:tgtEl>
-                                        <p:attrNameLst>
-                                          <p:attrName>style.visibility</p:attrName>
-                                        </p:attrNameLst>
-                                      </p:cBhvr>
-                                      <p:to>
-                                        <p:strVal val="visible"/>
-                                      </p:to>
-                                    </p:set>
-                                  </p:childTnLst>
-                                </p:cTn>
-                              </p:par>
-                            </p:childTnLst>
-                          </p:cTn>
-                        </p:par>
-                      </p:childTnLst>
-                    </p:cTn>
-                  </p:par>
-                  <p:par>
-                    <p:cTn id="15" fill="hold">
-                      <p:stCondLst>
-                        <p:cond delay="indefinite"/>
-                      </p:stCondLst>
-                      <p:childTnLst>
-                        <p:par>
-                          <p:cTn id="16" fill="hold">
-                            <p:stCondLst>
-                              <p:cond delay="0"/>
-                            </p:stCondLst>
-                            <p:childTnLst>
-                              <p:par>
-                                <p:cTn id="17" presetID="1" presetClass="entr" presetSubtype="0" fill="hold" grpId="0" nodeType="clickEffect">
-                                  <p:stCondLst>
-                                    <p:cond delay="0"/>
-                                  </p:stCondLst>
-                                  <p:childTnLst>
-                                    <p:set>
-                                      <p:cBhvr>
-                                        <p:cTn id="18" dur="1" fill="hold">
-                                          <p:stCondLst>
-                                            <p:cond delay="0"/>
-                                          </p:stCondLst>
-                                        </p:cTn>
-                                        <p:tgtEl>
-                                          <p:spTgt spid="467">
-                                            <p:txEl>
-                                              <p:pRg st="0" end="0"/>
-                                            </p:txEl>
-                                          </p:spTgt>
-                                        </p:tgtEl>
-                                        <p:attrNameLst>
-                                          <p:attrName>style.visibility</p:attrName>
-                                        </p:attrNameLst>
-                                      </p:cBhvr>
-                                      <p:to>
-                                        <p:strVal val="visible"/>
-                                      </p:to>
-                                    </p:set>
-                                  </p:childTnLst>
-                                </p:cTn>
-                              </p:par>
-                            </p:childTnLst>
-                          </p:cTn>
-                        </p:par>
-                      </p:childTnLst>
-                    </p:cTn>
-                  </p:par>
-                  <p:par>
-                    <p:cTn id="19" fill="hold">
-                      <p:stCondLst>
-                        <p:cond delay="indefinite"/>
-                      </p:stCondLst>
-                      <p:childTnLst>
-                        <p:par>
-                          <p:cTn id="20" fill="hold">
-                            <p:stCondLst>
-                              <p:cond delay="0"/>
-                            </p:stCondLst>
-                            <p:childTnLst>
-                              <p:par>
-                                <p:cTn id="21" presetID="1" presetClass="entr" presetSubtype="0" fill="hold" grpId="0" nodeType="clickEffect">
-                                  <p:stCondLst>
-                                    <p:cond delay="0"/>
-                                  </p:stCondLst>
-                                  <p:childTnLst>
-                                    <p:set>
-                                      <p:cBhvr>
-                                        <p:cTn id="22" dur="1" fill="hold">
-                                          <p:stCondLst>
-                                            <p:cond delay="0"/>
-                                          </p:stCondLst>
-                                        </p:cTn>
-                                        <p:tgtEl>
-                                          <p:spTgt spid="468">
-                                            <p:txEl>
-                                              <p:pRg st="0" end="0"/>
-                                            </p:txEl>
-                                          </p:spTgt>
-                                        </p:tgtEl>
-                                        <p:attrNameLst>
-                                          <p:attrName>style.visibility</p:attrName>
-                                        </p:attrNameLst>
-                                      </p:cBhvr>
-                                      <p:to>
-                                        <p:strVal val="visible"/>
-                                      </p:to>
-                                    </p:set>
-                                  </p:childTnLst>
-                                </p:cTn>
-                              </p:par>
-                            </p:childTnLst>
-                          </p:cTn>
-                        </p:par>
-                      </p:childTnLst>
-                    </p:cTn>
-                  </p:par>
-                  <p:par>
-                    <p:cTn id="23" fill="hold">
-                      <p:stCondLst>
-                        <p:cond delay="indefinite"/>
-                      </p:stCondLst>
-                      <p:childTnLst>
-                        <p:par>
-                          <p:cTn id="24" fill="hold">
-                            <p:stCondLst>
-                              <p:cond delay="0"/>
-                            </p:stCondLst>
-                            <p:childTnLst>
-                              <p:par>
-                                <p:cTn id="25" presetID="1" presetClass="entr" presetSubtype="0" fill="hold" nodeType="clickEffect">
-                                  <p:stCondLst>
-                                    <p:cond delay="0"/>
-                                  </p:stCondLst>
-                                  <p:childTnLst>
-                                    <p:set>
-                                      <p:cBhvr>
-                                        <p:cTn id="26" dur="1" fill="hold">
                                           <p:stCondLst>
                                             <p:cond delay="0"/>
                                           </p:stCondLst>
@@ -13015,13 +10659,6 @@
         </p:cTn>
       </p:par>
     </p:tnLst>
-    <p:bldLst>
-      <p:bldP spid="465" grpId="0" build="p"/>
-      <p:bldP spid="466" grpId="0" build="p"/>
-      <p:bldP spid="467" grpId="0" build="p"/>
-      <p:bldP spid="468" grpId="0" build="p"/>
-      <p:bldP spid="2" grpId="0" animBg="1"/>
-    </p:bldLst>
   </p:timing>
 </p:sld>
 </file>
@@ -13213,7 +10850,7 @@
         </p:nvSpPr>
         <p:spPr>
           <a:xfrm>
-            <a:off x="0" y="2886179"/>
+            <a:off x="-2" y="3024962"/>
             <a:ext cx="2759103" cy="1371600"/>
           </a:xfrm>
           <a:prstGeom prst="rect">
@@ -13265,37 +10902,13 @@
             </a:endParaRPr>
           </a:p>
           <a:p>
-            <a:pPr marL="285750" lvl="0" indent="-285750" algn="just" rtl="0">
-              <a:spcBef>
-                <a:spcPts val="0"/>
-              </a:spcBef>
-              <a:spcAft>
-                <a:spcPts val="0"/>
-              </a:spcAft>
-              <a:buFont typeface="Courier New" panose="02070309020205020404" pitchFamily="49" charset="0"/>
-              <a:buChar char="o"/>
-            </a:pPr>
-            <a:r>
-              <a:rPr lang="en-US" b="0" i="0" dirty="0">
-                <a:solidFill>
-                  <a:srgbClr val="374151"/>
-                </a:solidFill>
-                <a:effectLst/>
-                <a:latin typeface="Aptos Narrow" panose="020B0004020202020204" pitchFamily="34" charset="0"/>
-              </a:rPr>
-              <a:t>how close a country is to the best skill development</a:t>
-            </a:r>
-          </a:p>
-          <a:p>
-            <a:pPr marL="285750" lvl="0" indent="-285750" algn="just" rtl="0">
-              <a:spcBef>
-                <a:spcPts val="0"/>
-              </a:spcBef>
-              <a:spcAft>
-                <a:spcPts val="0"/>
-              </a:spcAft>
-              <a:buFont typeface="Courier New" panose="02070309020205020404" pitchFamily="49" charset="0"/>
-              <a:buChar char="o"/>
+            <a:pPr marL="0" lvl="0" indent="0" algn="just" rtl="0">
+              <a:spcBef>
+                <a:spcPts val="0"/>
+              </a:spcBef>
+              <a:spcAft>
+                <a:spcPts val="0"/>
+              </a:spcAft>
             </a:pPr>
             <a:endParaRPr dirty="0">
               <a:latin typeface="Aptos Narrow" panose="020B0004020202020204" pitchFamily="34" charset="0"/>
@@ -13361,7 +10974,7 @@
         </p:nvSpPr>
         <p:spPr>
           <a:xfrm>
-            <a:off x="2797863" y="2886179"/>
+            <a:off x="2831565" y="3024962"/>
             <a:ext cx="2759102" cy="1371600"/>
           </a:xfrm>
           <a:prstGeom prst="rect">
@@ -13396,45 +11009,18 @@
             </a:r>
           </a:p>
           <a:p>
-            <a:pPr marL="285750" lvl="0" indent="-285750" algn="just" rtl="0">
-              <a:spcBef>
-                <a:spcPts val="0"/>
-              </a:spcBef>
-              <a:spcAft>
-                <a:spcPts val="0"/>
-              </a:spcAft>
-              <a:buFont typeface="Courier New" panose="02070309020205020404" pitchFamily="49" charset="0"/>
-              <a:buChar char="o"/>
+            <a:pPr marL="0" lvl="0" indent="0" algn="just" rtl="0">
+              <a:spcBef>
+                <a:spcPts val="0"/>
+              </a:spcBef>
+              <a:spcAft>
+                <a:spcPts val="0"/>
+              </a:spcAft>
             </a:pPr>
             <a:endParaRPr lang="en-US" dirty="0">
               <a:solidFill>
                 <a:srgbClr val="374151"/>
               </a:solidFill>
-              <a:latin typeface="Aptos Narrow" panose="020B0004020202020204" pitchFamily="34" charset="0"/>
-            </a:endParaRPr>
-          </a:p>
-          <a:p>
-            <a:pPr marL="285750" lvl="0" indent="-285750" algn="just" rtl="0">
-              <a:spcBef>
-                <a:spcPts val="0"/>
-              </a:spcBef>
-              <a:spcAft>
-                <a:spcPts val="0"/>
-              </a:spcAft>
-              <a:buFont typeface="Courier New" panose="02070309020205020404" pitchFamily="49" charset="0"/>
-              <a:buChar char="o"/>
-            </a:pPr>
-            <a:r>
-              <a:rPr lang="en-US" b="0" i="0" dirty="0">
-                <a:solidFill>
-                  <a:srgbClr val="374151"/>
-                </a:solidFill>
-                <a:effectLst/>
-                <a:latin typeface="Aptos Narrow" panose="020B0004020202020204" pitchFamily="34" charset="0"/>
-              </a:rPr>
-              <a:t>how near a country is to the best skill activation</a:t>
-            </a:r>
-            <a:endParaRPr dirty="0">
               <a:latin typeface="Aptos Narrow" panose="020B0004020202020204" pitchFamily="34" charset="0"/>
             </a:endParaRPr>
           </a:p>
@@ -13510,7 +11096,7 @@
         </p:nvSpPr>
         <p:spPr>
           <a:xfrm>
-            <a:off x="5595725" y="2886179"/>
+            <a:off x="5606569" y="3015604"/>
             <a:ext cx="2759102" cy="1371600"/>
           </a:xfrm>
           <a:prstGeom prst="rect">
@@ -13554,45 +11140,18 @@
             </a:r>
           </a:p>
           <a:p>
-            <a:pPr marL="285750" lvl="0" indent="-285750" algn="just" rtl="0">
-              <a:spcBef>
-                <a:spcPts val="0"/>
-              </a:spcBef>
-              <a:spcAft>
-                <a:spcPts val="0"/>
-              </a:spcAft>
-              <a:buFont typeface="Courier New" panose="02070309020205020404" pitchFamily="49" charset="0"/>
-              <a:buChar char="o"/>
+            <a:pPr marL="0" lvl="0" indent="0" algn="just" rtl="0">
+              <a:spcBef>
+                <a:spcPts val="0"/>
+              </a:spcBef>
+              <a:spcAft>
+                <a:spcPts val="0"/>
+              </a:spcAft>
             </a:pPr>
             <a:endParaRPr lang="en-US" dirty="0">
               <a:solidFill>
                 <a:srgbClr val="374151"/>
               </a:solidFill>
-              <a:latin typeface="Aptos Narrow" panose="020B0004020202020204" pitchFamily="34" charset="0"/>
-            </a:endParaRPr>
-          </a:p>
-          <a:p>
-            <a:pPr marL="285750" lvl="0" indent="-285750" algn="just" rtl="0">
-              <a:spcBef>
-                <a:spcPts val="0"/>
-              </a:spcBef>
-              <a:spcAft>
-                <a:spcPts val="0"/>
-              </a:spcAft>
-              <a:buFont typeface="Courier New" panose="02070309020205020404" pitchFamily="49" charset="0"/>
-              <a:buChar char="o"/>
-            </a:pPr>
-            <a:r>
-              <a:rPr lang="en-US" b="0" i="0" dirty="0">
-                <a:solidFill>
-                  <a:srgbClr val="374151"/>
-                </a:solidFill>
-                <a:effectLst/>
-                <a:latin typeface="Aptos Narrow" panose="020B0004020202020204" pitchFamily="34" charset="0"/>
-              </a:rPr>
-              <a:t>how well a country aligns skills with job market requirements</a:t>
-            </a:r>
-            <a:endParaRPr dirty="0">
               <a:latin typeface="Aptos Narrow" panose="020B0004020202020204" pitchFamily="34" charset="0"/>
             </a:endParaRPr>
           </a:p>
@@ -17347,25 +14906,39 @@
                                   </p:childTnLst>
                                 </p:cTn>
                               </p:par>
+                            </p:childTnLst>
+                          </p:cTn>
+                        </p:par>
+                      </p:childTnLst>
+                    </p:cTn>
+                  </p:par>
+                  <p:par>
+                    <p:cTn id="9" fill="hold">
+                      <p:stCondLst>
+                        <p:cond delay="indefinite"/>
+                      </p:stCondLst>
+                      <p:childTnLst>
+                        <p:par>
+                          <p:cTn id="10" fill="hold">
+                            <p:stCondLst>
+                              <p:cond delay="0"/>
+                            </p:stCondLst>
+                            <p:childTnLst>
                               <p:par>
-                                <p:cTn id="9" presetID="1" presetClass="entr" presetSubtype="0" fill="hold" grpId="0" nodeType="withEffect">
+                                <p:cTn id="11" presetID="1" presetClass="entr" presetSubtype="0" fill="hold" grpId="0" nodeType="clickEffect">
                                   <p:stCondLst>
                                     <p:cond delay="0"/>
                                   </p:stCondLst>
                                   <p:childTnLst>
                                     <p:set>
                                       <p:cBhvr>
-                                        <p:cTn id="10" dur="1" fill="hold">
+                                        <p:cTn id="12" dur="1" fill="hold">
                                           <p:stCondLst>
                                             <p:cond delay="0"/>
                                           </p:stCondLst>
                                         </p:cTn>
                                         <p:tgtEl>
-                                          <p:spTgt spid="399">
-                                            <p:txEl>
-                                              <p:pRg st="0" end="0"/>
-                                            </p:txEl>
-                                          </p:spTgt>
+                                          <p:spTgt spid="413"/>
                                         </p:tgtEl>
                                         <p:attrNameLst>
                                           <p:attrName>style.visibility</p:attrName>
@@ -17378,26 +14951,8 @@
                                   </p:childTnLst>
                                 </p:cTn>
                               </p:par>
-                            </p:childTnLst>
-                          </p:cTn>
-                        </p:par>
-                      </p:childTnLst>
-                    </p:cTn>
-                  </p:par>
-                  <p:par>
-                    <p:cTn id="11" fill="hold">
-                      <p:stCondLst>
-                        <p:cond delay="indefinite"/>
-                      </p:stCondLst>
-                      <p:childTnLst>
-                        <p:par>
-                          <p:cTn id="12" fill="hold">
-                            <p:stCondLst>
-                              <p:cond delay="0"/>
-                            </p:stCondLst>
-                            <p:childTnLst>
                               <p:par>
-                                <p:cTn id="13" presetID="1" presetClass="entr" presetSubtype="0" fill="hold" grpId="0" nodeType="clickEffect">
+                                <p:cTn id="13" presetID="1" presetClass="entr" presetSubtype="0" fill="hold" grpId="0" nodeType="withEffect">
                                   <p:stCondLst>
                                     <p:cond delay="0"/>
                                   </p:stCondLst>
@@ -17410,11 +14965,7 @@
                                           </p:stCondLst>
                                         </p:cTn>
                                         <p:tgtEl>
-                                          <p:spTgt spid="399">
-                                            <p:txEl>
-                                              <p:pRg st="2" end="2"/>
-                                            </p:txEl>
-                                          </p:spTgt>
+                                          <p:spTgt spid="400"/>
                                         </p:tgtEl>
                                         <p:attrNameLst>
                                           <p:attrName>style.visibility</p:attrName>
@@ -17459,7 +15010,7 @@
                                           </p:stCondLst>
                                         </p:cTn>
                                         <p:tgtEl>
-                                          <p:spTgt spid="413"/>
+                                          <p:spTgt spid="404"/>
                                         </p:tgtEl>
                                         <p:attrNameLst>
                                           <p:attrName>style.visibility</p:attrName>
@@ -17486,7 +15037,7 @@
                                           </p:stCondLst>
                                         </p:cTn>
                                         <p:tgtEl>
-                                          <p:spTgt spid="400"/>
+                                          <p:spTgt spid="402"/>
                                         </p:tgtEl>
                                         <p:attrNameLst>
                                           <p:attrName>style.visibility</p:attrName>
@@ -17499,15 +15050,82 @@
                                   </p:childTnLst>
                                 </p:cTn>
                               </p:par>
+                            </p:childTnLst>
+                          </p:cTn>
+                        </p:par>
+                      </p:childTnLst>
+                    </p:cTn>
+                  </p:par>
+                  <p:par>
+                    <p:cTn id="21" fill="hold">
+                      <p:stCondLst>
+                        <p:cond delay="indefinite"/>
+                      </p:stCondLst>
+                      <p:childTnLst>
+                        <p:par>
+                          <p:cTn id="22" fill="hold">
+                            <p:stCondLst>
+                              <p:cond delay="0"/>
+                            </p:stCondLst>
+                            <p:childTnLst>
                               <p:par>
-                                <p:cTn id="21" presetID="1" presetClass="entr" presetSubtype="0" fill="hold" grpId="0" nodeType="withEffect">
+                                <p:cTn id="23" presetID="1" presetClass="entr" presetSubtype="0" fill="hold" grpId="0" nodeType="clickEffect">
                                   <p:stCondLst>
                                     <p:cond delay="0"/>
                                   </p:stCondLst>
                                   <p:childTnLst>
                                     <p:set>
                                       <p:cBhvr>
-                                        <p:cTn id="22" dur="1" fill="hold">
+                                        <p:cTn id="24" dur="1" fill="hold">
+                                          <p:stCondLst>
+                                            <p:cond delay="0"/>
+                                          </p:stCondLst>
+                                        </p:cTn>
+                                        <p:tgtEl>
+                                          <p:spTgt spid="399">
+                                            <p:txEl>
+                                              <p:pRg st="0" end="0"/>
+                                            </p:txEl>
+                                          </p:spTgt>
+                                        </p:tgtEl>
+                                        <p:attrNameLst>
+                                          <p:attrName>style.visibility</p:attrName>
+                                        </p:attrNameLst>
+                                      </p:cBhvr>
+                                      <p:to>
+                                        <p:strVal val="visible"/>
+                                      </p:to>
+                                    </p:set>
+                                  </p:childTnLst>
+                                </p:cTn>
+                              </p:par>
+                            </p:childTnLst>
+                          </p:cTn>
+                        </p:par>
+                      </p:childTnLst>
+                    </p:cTn>
+                  </p:par>
+                  <p:par>
+                    <p:cTn id="25" fill="hold">
+                      <p:stCondLst>
+                        <p:cond delay="indefinite"/>
+                      </p:stCondLst>
+                      <p:childTnLst>
+                        <p:par>
+                          <p:cTn id="26" fill="hold">
+                            <p:stCondLst>
+                              <p:cond delay="0"/>
+                            </p:stCondLst>
+                            <p:childTnLst>
+                              <p:par>
+                                <p:cTn id="27" presetID="1" presetClass="entr" presetSubtype="0" fill="hold" grpId="0" nodeType="clickEffect">
+                                  <p:stCondLst>
+                                    <p:cond delay="0"/>
+                                  </p:stCondLst>
+                                  <p:childTnLst>
+                                    <p:set>
+                                      <p:cBhvr>
+                                        <p:cTn id="28" dur="1" fill="hold">
                                           <p:stCondLst>
                                             <p:cond delay="0"/>
                                           </p:stCondLst>
@@ -17537,95 +15155,19 @@
                     </p:cTn>
                   </p:par>
                   <p:par>
-                    <p:cTn id="23" fill="hold">
+                    <p:cTn id="29" fill="hold">
                       <p:stCondLst>
                         <p:cond delay="indefinite"/>
                       </p:stCondLst>
                       <p:childTnLst>
                         <p:par>
-                          <p:cTn id="24" fill="hold">
+                          <p:cTn id="30" fill="hold">
                             <p:stCondLst>
                               <p:cond delay="0"/>
                             </p:stCondLst>
                             <p:childTnLst>
                               <p:par>
-                                <p:cTn id="25" presetID="1" presetClass="entr" presetSubtype="0" fill="hold" grpId="0" nodeType="clickEffect">
-                                  <p:stCondLst>
-                                    <p:cond delay="0"/>
-                                  </p:stCondLst>
-                                  <p:childTnLst>
-                                    <p:set>
-                                      <p:cBhvr>
-                                        <p:cTn id="26" dur="1" fill="hold">
-                                          <p:stCondLst>
-                                            <p:cond delay="0"/>
-                                          </p:stCondLst>
-                                        </p:cTn>
-                                        <p:tgtEl>
-                                          <p:spTgt spid="401">
-                                            <p:txEl>
-                                              <p:pRg st="2" end="2"/>
-                                            </p:txEl>
-                                          </p:spTgt>
-                                        </p:tgtEl>
-                                        <p:attrNameLst>
-                                          <p:attrName>style.visibility</p:attrName>
-                                        </p:attrNameLst>
-                                      </p:cBhvr>
-                                      <p:to>
-                                        <p:strVal val="visible"/>
-                                      </p:to>
-                                    </p:set>
-                                  </p:childTnLst>
-                                </p:cTn>
-                              </p:par>
-                            </p:childTnLst>
-                          </p:cTn>
-                        </p:par>
-                      </p:childTnLst>
-                    </p:cTn>
-                  </p:par>
-                  <p:par>
-                    <p:cTn id="27" fill="hold">
-                      <p:stCondLst>
-                        <p:cond delay="indefinite"/>
-                      </p:stCondLst>
-                      <p:childTnLst>
-                        <p:par>
-                          <p:cTn id="28" fill="hold">
-                            <p:stCondLst>
-                              <p:cond delay="0"/>
-                            </p:stCondLst>
-                            <p:childTnLst>
-                              <p:par>
-                                <p:cTn id="29" presetID="1" presetClass="entr" presetSubtype="0" fill="hold" grpId="0" nodeType="clickEffect">
-                                  <p:stCondLst>
-                                    <p:cond delay="0"/>
-                                  </p:stCondLst>
-                                  <p:childTnLst>
-                                    <p:set>
-                                      <p:cBhvr>
-                                        <p:cTn id="30" dur="1" fill="hold">
-                                          <p:stCondLst>
-                                            <p:cond delay="0"/>
-                                          </p:stCondLst>
-                                        </p:cTn>
-                                        <p:tgtEl>
-                                          <p:spTgt spid="404"/>
-                                        </p:tgtEl>
-                                        <p:attrNameLst>
-                                          <p:attrName>style.visibility</p:attrName>
-                                        </p:attrNameLst>
-                                      </p:cBhvr>
-                                      <p:to>
-                                        <p:strVal val="visible"/>
-                                      </p:to>
-                                    </p:set>
-                                  </p:childTnLst>
-                                </p:cTn>
-                              </p:par>
-                              <p:par>
-                                <p:cTn id="31" presetID="1" presetClass="entr" presetSubtype="0" fill="hold" grpId="0" nodeType="withEffect">
+                                <p:cTn id="31" presetID="1" presetClass="entr" presetSubtype="0" fill="hold" grpId="0" nodeType="clickEffect">
                                   <p:stCondLst>
                                     <p:cond delay="0"/>
                                   </p:stCondLst>
@@ -17638,85 +15180,9 @@
                                           </p:stCondLst>
                                         </p:cTn>
                                         <p:tgtEl>
-                                          <p:spTgt spid="402"/>
-                                        </p:tgtEl>
-                                        <p:attrNameLst>
-                                          <p:attrName>style.visibility</p:attrName>
-                                        </p:attrNameLst>
-                                      </p:cBhvr>
-                                      <p:to>
-                                        <p:strVal val="visible"/>
-                                      </p:to>
-                                    </p:set>
-                                  </p:childTnLst>
-                                </p:cTn>
-                              </p:par>
-                              <p:par>
-                                <p:cTn id="33" presetID="1" presetClass="entr" presetSubtype="0" fill="hold" grpId="0" nodeType="withEffect">
-                                  <p:stCondLst>
-                                    <p:cond delay="0"/>
-                                  </p:stCondLst>
-                                  <p:childTnLst>
-                                    <p:set>
-                                      <p:cBhvr>
-                                        <p:cTn id="34" dur="1" fill="hold">
-                                          <p:stCondLst>
-                                            <p:cond delay="0"/>
-                                          </p:stCondLst>
-                                        </p:cTn>
-                                        <p:tgtEl>
                                           <p:spTgt spid="403">
                                             <p:txEl>
                                               <p:pRg st="0" end="0"/>
-                                            </p:txEl>
-                                          </p:spTgt>
-                                        </p:tgtEl>
-                                        <p:attrNameLst>
-                                          <p:attrName>style.visibility</p:attrName>
-                                        </p:attrNameLst>
-                                      </p:cBhvr>
-                                      <p:to>
-                                        <p:strVal val="visible"/>
-                                      </p:to>
-                                    </p:set>
-                                  </p:childTnLst>
-                                </p:cTn>
-                              </p:par>
-                            </p:childTnLst>
-                          </p:cTn>
-                        </p:par>
-                      </p:childTnLst>
-                    </p:cTn>
-                  </p:par>
-                  <p:par>
-                    <p:cTn id="35" fill="hold">
-                      <p:stCondLst>
-                        <p:cond delay="indefinite"/>
-                      </p:stCondLst>
-                      <p:childTnLst>
-                        <p:par>
-                          <p:cTn id="36" fill="hold">
-                            <p:stCondLst>
-                              <p:cond delay="0"/>
-                            </p:stCondLst>
-                            <p:childTnLst>
-                              <p:par>
-                                <p:cTn id="37" presetID="1" presetClass="entr" presetSubtype="0" fill="hold" grpId="0" nodeType="clickEffect">
-                                  <p:stCondLst>
-                                    <p:cond delay="0"/>
-                                  </p:stCondLst>
-                                  <p:childTnLst>
-                                    <p:set>
-                                      <p:cBhvr>
-                                        <p:cTn id="38" dur="1" fill="hold">
-                                          <p:stCondLst>
-                                            <p:cond delay="0"/>
-                                          </p:stCondLst>
-                                        </p:cTn>
-                                        <p:tgtEl>
-                                          <p:spTgt spid="403">
-                                            <p:txEl>
-                                              <p:pRg st="2" end="2"/>
                                             </p:txEl>
                                           </p:spTgt>
                                         </p:tgtEl>
